--- a/Oral.pptx
+++ b/Oral.pptx
@@ -12,19 +12,20 @@
     <p:sldId id="260" r:id="rId6"/>
     <p:sldId id="261" r:id="rId7"/>
     <p:sldId id="262" r:id="rId8"/>
-    <p:sldId id="263" r:id="rId9"/>
-    <p:sldId id="264" r:id="rId10"/>
-    <p:sldId id="265" r:id="rId11"/>
-    <p:sldId id="266" r:id="rId12"/>
+    <p:sldId id="277" r:id="rId9"/>
+    <p:sldId id="278" r:id="rId10"/>
+    <p:sldId id="279" r:id="rId11"/>
+    <p:sldId id="280" r:id="rId12"/>
     <p:sldId id="267" r:id="rId13"/>
     <p:sldId id="268" r:id="rId14"/>
-    <p:sldId id="269" r:id="rId15"/>
-    <p:sldId id="270" r:id="rId16"/>
-    <p:sldId id="271" r:id="rId17"/>
-    <p:sldId id="272" r:id="rId18"/>
-    <p:sldId id="273" r:id="rId19"/>
-    <p:sldId id="274" r:id="rId20"/>
-    <p:sldId id="275" r:id="rId21"/>
+    <p:sldId id="276" r:id="rId15"/>
+    <p:sldId id="269" r:id="rId16"/>
+    <p:sldId id="270" r:id="rId17"/>
+    <p:sldId id="271" r:id="rId18"/>
+    <p:sldId id="272" r:id="rId19"/>
+    <p:sldId id="273" r:id="rId20"/>
+    <p:sldId id="274" r:id="rId21"/>
+    <p:sldId id="275" r:id="rId22"/>
   </p:sldIdLst>
   <p:sldSz cx="9144000" cy="6858000" type="screen4x3"/>
   <p:notesSz cx="6858000" cy="9144000"/>
@@ -146,16 +147,90 @@
 <p1510:revInfo xmlns:a="http://schemas.openxmlformats.org/drawingml/2006/main" xmlns:r="http://schemas.openxmlformats.org/officeDocument/2006/relationships" xmlns:p1510="http://schemas.microsoft.com/office/powerpoint/2015/10/main">
   <p1510:revLst>
     <p1510:client id="{18AAEEBC-F6DE-477A-A5E7-2ABAA9FEE51A}" v="7" dt="2020-05-30T15:52:02.782"/>
+    <p1510:client id="{42FCF90B-0AB5-1BAC-2083-49124D2F863C}" v="11" dt="2020-06-01T15:13:43.920"/>
+    <p1510:client id="{5C7CA0E7-ADF3-4FC1-A760-D82EF45DC9FB}" v="38" dt="2020-06-01T15:21:39.179"/>
     <p1510:client id="{6DB40C74-40D9-3147-61EC-5A0818E17C90}" v="1204" dt="2020-05-30T14:37:05.581"/>
     <p1510:client id="{715E5F56-E8B3-4288-B79C-48AD011D3ED5}" v="159" dt="2020-05-30T12:28:53.095"/>
     <p1510:client id="{96FC5C76-35EC-4A47-A684-DDCC66DFDAA0}" v="5" dt="2020-05-30T12:02:42.758"/>
+    <p1510:client id="{A3A4884F-6ECE-47BF-B339-9163BE434123}" v="10" dt="2020-06-01T15:05:31.438"/>
     <p1510:client id="{BDAAA39C-4045-4D37-ACF5-3C62936D757D}" v="352" dt="2020-05-30T12:34:14.876"/>
+    <p1510:client id="{F06BE029-F0C6-4AC1-842F-AFF73EB064D6}" v="9" dt="2020-06-01T15:15:29.505"/>
   </p1510:revLst>
 </p1510:revInfo>
 </file>
 
 <file path=ppt/changesInfos/changesInfo1.xml><?xml version="1.0" encoding="utf-8"?>
 <pc:chgInfo xmlns:a="http://schemas.openxmlformats.org/drawingml/2006/main" xmlns:r="http://schemas.openxmlformats.org/officeDocument/2006/relationships" xmlns:ac="http://schemas.microsoft.com/office/drawing/2013/main/command" xmlns:pc="http://schemas.microsoft.com/office/powerpoint/2013/main/command">
+  <pc:docChgLst>
+    <pc:chgData name="MAUBERGER Florian" userId="S::florian.mauberger@ynov.com::72a45b50-186c-4ac8-9112-71587bae95d5" providerId="AD" clId="Web-{BDAAA39C-4045-4D37-ACF5-3C62936D757D}"/>
+    <pc:docChg chg="modSld">
+      <pc:chgData name="MAUBERGER Florian" userId="S::florian.mauberger@ynov.com::72a45b50-186c-4ac8-9112-71587bae95d5" providerId="AD" clId="Web-{BDAAA39C-4045-4D37-ACF5-3C62936D757D}" dt="2020-05-30T12:34:14.876" v="350" actId="14100"/>
+      <pc:docMkLst>
+        <pc:docMk/>
+      </pc:docMkLst>
+      <pc:sldChg chg="modSp">
+        <pc:chgData name="MAUBERGER Florian" userId="S::florian.mauberger@ynov.com::72a45b50-186c-4ac8-9112-71587bae95d5" providerId="AD" clId="Web-{BDAAA39C-4045-4D37-ACF5-3C62936D757D}" dt="2020-05-30T12:34:14.876" v="350" actId="14100"/>
+        <pc:sldMkLst>
+          <pc:docMk/>
+          <pc:sldMk cId="835684502" sldId="257"/>
+        </pc:sldMkLst>
+        <pc:spChg chg="mod">
+          <ac:chgData name="MAUBERGER Florian" userId="S::florian.mauberger@ynov.com::72a45b50-186c-4ac8-9112-71587bae95d5" providerId="AD" clId="Web-{BDAAA39C-4045-4D37-ACF5-3C62936D757D}" dt="2020-05-30T12:34:11.282" v="349" actId="1076"/>
+          <ac:spMkLst>
+            <pc:docMk/>
+            <pc:sldMk cId="835684502" sldId="257"/>
+            <ac:spMk id="2" creationId="{39C29E5E-81CD-400D-8F76-FAC0B606D4D5}"/>
+          </ac:spMkLst>
+        </pc:spChg>
+        <pc:spChg chg="mod">
+          <ac:chgData name="MAUBERGER Florian" userId="S::florian.mauberger@ynov.com::72a45b50-186c-4ac8-9112-71587bae95d5" providerId="AD" clId="Web-{BDAAA39C-4045-4D37-ACF5-3C62936D757D}" dt="2020-05-30T12:34:14.876" v="350" actId="14100"/>
+          <ac:spMkLst>
+            <pc:docMk/>
+            <pc:sldMk cId="835684502" sldId="257"/>
+            <ac:spMk id="3" creationId="{1B6C6D64-B8E0-4CB0-A30F-B57611FED85E}"/>
+          </ac:spMkLst>
+        </pc:spChg>
+      </pc:sldChg>
+    </pc:docChg>
+  </pc:docChgLst>
+  <pc:docChgLst>
+    <pc:chgData name="MAUBERGER Florian" userId="S::florian.mauberger@ynov.com::72a45b50-186c-4ac8-9112-71587bae95d5" providerId="AD" clId="Web-{F06BE029-F0C6-4AC1-842F-AFF73EB064D6}"/>
+    <pc:docChg chg="delSld modSld">
+      <pc:chgData name="MAUBERGER Florian" userId="S::florian.mauberger@ynov.com::72a45b50-186c-4ac8-9112-71587bae95d5" providerId="AD" clId="Web-{F06BE029-F0C6-4AC1-842F-AFF73EB064D6}" dt="2020-06-01T15:15:29.505" v="8"/>
+      <pc:docMkLst>
+        <pc:docMk/>
+      </pc:docMkLst>
+      <pc:sldChg chg="addAnim modAnim">
+        <pc:chgData name="MAUBERGER Florian" userId="S::florian.mauberger@ynov.com::72a45b50-186c-4ac8-9112-71587bae95d5" providerId="AD" clId="Web-{F06BE029-F0C6-4AC1-842F-AFF73EB064D6}" dt="2020-06-01T15:15:29.505" v="8"/>
+        <pc:sldMkLst>
+          <pc:docMk/>
+          <pc:sldMk cId="2817483075" sldId="262"/>
+        </pc:sldMkLst>
+      </pc:sldChg>
+      <pc:sldChg chg="del">
+        <pc:chgData name="MAUBERGER Florian" userId="S::florian.mauberger@ynov.com::72a45b50-186c-4ac8-9112-71587bae95d5" providerId="AD" clId="Web-{F06BE029-F0C6-4AC1-842F-AFF73EB064D6}" dt="2020-06-01T15:14:50.819" v="2"/>
+        <pc:sldMkLst>
+          <pc:docMk/>
+          <pc:sldMk cId="4121515958" sldId="263"/>
+        </pc:sldMkLst>
+      </pc:sldChg>
+      <pc:sldChg chg="addSp modSp">
+        <pc:chgData name="MAUBERGER Florian" userId="S::florian.mauberger@ynov.com::72a45b50-186c-4ac8-9112-71587bae95d5" providerId="AD" clId="Web-{F06BE029-F0C6-4AC1-842F-AFF73EB064D6}" dt="2020-06-01T15:14:33.381" v="1" actId="1076"/>
+        <pc:sldMkLst>
+          <pc:docMk/>
+          <pc:sldMk cId="3789203267" sldId="277"/>
+        </pc:sldMkLst>
+        <pc:spChg chg="add mod">
+          <ac:chgData name="MAUBERGER Florian" userId="S::florian.mauberger@ynov.com::72a45b50-186c-4ac8-9112-71587bae95d5" providerId="AD" clId="Web-{F06BE029-F0C6-4AC1-842F-AFF73EB064D6}" dt="2020-06-01T15:14:33.381" v="1" actId="1076"/>
+          <ac:spMkLst>
+            <pc:docMk/>
+            <pc:sldMk cId="3789203267" sldId="277"/>
+            <ac:spMk id="3" creationId="{8101DC15-49D6-4C78-B6A8-DDBE757E12B8}"/>
+          </ac:spMkLst>
+        </pc:spChg>
+      </pc:sldChg>
+    </pc:docChg>
+  </pc:docChgLst>
   <pc:docChgLst>
     <pc:chgData name="MAUBERGER Florian" userId="S::florian.mauberger@ynov.com::72a45b50-186c-4ac8-9112-71587bae95d5" providerId="AD" clId="Web-{96FC5C76-35EC-4A47-A684-DDCC66DFDAA0}"/>
     <pc:docChg chg="addSld modSld addMainMaster delMainMaster">
@@ -831,32 +906,70 @@
     </pc:docChg>
   </pc:docChgLst>
   <pc:docChgLst>
-    <pc:chgData name="MAUBERGER Florian" userId="S::florian.mauberger@ynov.com::72a45b50-186c-4ac8-9112-71587bae95d5" providerId="AD" clId="Web-{BDAAA39C-4045-4D37-ACF5-3C62936D757D}"/>
-    <pc:docChg chg="modSld">
-      <pc:chgData name="MAUBERGER Florian" userId="S::florian.mauberger@ynov.com::72a45b50-186c-4ac8-9112-71587bae95d5" providerId="AD" clId="Web-{BDAAA39C-4045-4D37-ACF5-3C62936D757D}" dt="2020-05-30T12:34:14.876" v="350" actId="14100"/>
+    <pc:chgData name="MAUBERGER Florian" userId="S::florian.mauberger@ynov.com::72a45b50-186c-4ac8-9112-71587bae95d5" providerId="AD" clId="Web-{42FCF90B-0AB5-1BAC-2083-49124D2F863C}"/>
+    <pc:docChg chg="addSld modSld">
+      <pc:chgData name="MAUBERGER Florian" userId="S::florian.mauberger@ynov.com::72a45b50-186c-4ac8-9112-71587bae95d5" providerId="AD" clId="Web-{42FCF90B-0AB5-1BAC-2083-49124D2F863C}" dt="2020-06-01T15:13:43.920" v="10"/>
       <pc:docMkLst>
         <pc:docMk/>
       </pc:docMkLst>
-      <pc:sldChg chg="modSp">
-        <pc:chgData name="MAUBERGER Florian" userId="S::florian.mauberger@ynov.com::72a45b50-186c-4ac8-9112-71587bae95d5" providerId="AD" clId="Web-{BDAAA39C-4045-4D37-ACF5-3C62936D757D}" dt="2020-05-30T12:34:14.876" v="350" actId="14100"/>
+      <pc:sldChg chg="delAnim modAnim">
+        <pc:chgData name="MAUBERGER Florian" userId="S::florian.mauberger@ynov.com::72a45b50-186c-4ac8-9112-71587bae95d5" providerId="AD" clId="Web-{42FCF90B-0AB5-1BAC-2083-49124D2F863C}" dt="2020-06-01T15:09:59.172" v="6"/>
         <pc:sldMkLst>
           <pc:docMk/>
-          <pc:sldMk cId="835684502" sldId="257"/>
+          <pc:sldMk cId="2817483075" sldId="262"/>
         </pc:sldMkLst>
-        <pc:spChg chg="mod">
-          <ac:chgData name="MAUBERGER Florian" userId="S::florian.mauberger@ynov.com::72a45b50-186c-4ac8-9112-71587bae95d5" providerId="AD" clId="Web-{BDAAA39C-4045-4D37-ACF5-3C62936D757D}" dt="2020-05-30T12:34:11.282" v="349" actId="1076"/>
+      </pc:sldChg>
+      <pc:sldChg chg="delAnim">
+        <pc:chgData name="MAUBERGER Florian" userId="S::florian.mauberger@ynov.com::72a45b50-186c-4ac8-9112-71587bae95d5" providerId="AD" clId="Web-{42FCF90B-0AB5-1BAC-2083-49124D2F863C}" dt="2020-06-01T15:10:03.532" v="7"/>
+        <pc:sldMkLst>
+          <pc:docMk/>
+          <pc:sldMk cId="456575112" sldId="268"/>
+        </pc:sldMkLst>
+      </pc:sldChg>
+      <pc:sldChg chg="delSp add replId">
+        <pc:chgData name="MAUBERGER Florian" userId="S::florian.mauberger@ynov.com::72a45b50-186c-4ac8-9112-71587bae95d5" providerId="AD" clId="Web-{42FCF90B-0AB5-1BAC-2083-49124D2F863C}" dt="2020-06-01T15:13:43.920" v="10"/>
+        <pc:sldMkLst>
+          <pc:docMk/>
+          <pc:sldMk cId="3789203267" sldId="277"/>
+        </pc:sldMkLst>
+        <pc:spChg chg="del">
+          <ac:chgData name="MAUBERGER Florian" userId="S::florian.mauberger@ynov.com::72a45b50-186c-4ac8-9112-71587bae95d5" providerId="AD" clId="Web-{42FCF90B-0AB5-1BAC-2083-49124D2F863C}" dt="2020-06-01T15:13:42.998" v="9"/>
           <ac:spMkLst>
             <pc:docMk/>
-            <pc:sldMk cId="835684502" sldId="257"/>
-            <ac:spMk id="2" creationId="{39C29E5E-81CD-400D-8F76-FAC0B606D4D5}"/>
+            <pc:sldMk cId="3789203267" sldId="277"/>
+            <ac:spMk id="3" creationId="{1B6B8B6E-FF55-4787-9407-E6EC28477255}"/>
           </ac:spMkLst>
         </pc:spChg>
-        <pc:spChg chg="mod">
-          <ac:chgData name="MAUBERGER Florian" userId="S::florian.mauberger@ynov.com::72a45b50-186c-4ac8-9112-71587bae95d5" providerId="AD" clId="Web-{BDAAA39C-4045-4D37-ACF5-3C62936D757D}" dt="2020-05-30T12:34:14.876" v="350" actId="14100"/>
+        <pc:picChg chg="del">
+          <ac:chgData name="MAUBERGER Florian" userId="S::florian.mauberger@ynov.com::72a45b50-186c-4ac8-9112-71587bae95d5" providerId="AD" clId="Web-{42FCF90B-0AB5-1BAC-2083-49124D2F863C}" dt="2020-06-01T15:13:43.920" v="10"/>
+          <ac:picMkLst>
+            <pc:docMk/>
+            <pc:sldMk cId="3789203267" sldId="277"/>
+            <ac:picMk id="4" creationId="{122336AF-0537-4C38-B1AB-ADC4F1BB2B2A}"/>
+          </ac:picMkLst>
+        </pc:picChg>
+      </pc:sldChg>
+    </pc:docChg>
+  </pc:docChgLst>
+  <pc:docChgLst>
+    <pc:chgData name="MAUBERGER Florian" userId="S::florian.mauberger@ynov.com::72a45b50-186c-4ac8-9112-71587bae95d5" providerId="AD" clId="Web-{A3A4884F-6ECE-47BF-B339-9163BE434123}"/>
+    <pc:docChg chg="modSld">
+      <pc:chgData name="MAUBERGER Florian" userId="S::florian.mauberger@ynov.com::72a45b50-186c-4ac8-9112-71587bae95d5" providerId="AD" clId="Web-{A3A4884F-6ECE-47BF-B339-9163BE434123}" dt="2020-06-01T15:05:31.438" v="9"/>
+      <pc:docMkLst>
+        <pc:docMk/>
+      </pc:docMkLst>
+      <pc:sldChg chg="addSp modSp addAnim modAnim">
+        <pc:chgData name="MAUBERGER Florian" userId="S::florian.mauberger@ynov.com::72a45b50-186c-4ac8-9112-71587bae95d5" providerId="AD" clId="Web-{A3A4884F-6ECE-47BF-B339-9163BE434123}" dt="2020-06-01T15:05:31.438" v="9"/>
+        <pc:sldMkLst>
+          <pc:docMk/>
+          <pc:sldMk cId="2817483075" sldId="262"/>
+        </pc:sldMkLst>
+        <pc:spChg chg="add mod">
+          <ac:chgData name="MAUBERGER Florian" userId="S::florian.mauberger@ynov.com::72a45b50-186c-4ac8-9112-71587bae95d5" providerId="AD" clId="Web-{A3A4884F-6ECE-47BF-B339-9163BE434123}" dt="2020-06-01T15:04:39.532" v="2" actId="1076"/>
           <ac:spMkLst>
             <pc:docMk/>
-            <pc:sldMk cId="835684502" sldId="257"/>
-            <ac:spMk id="3" creationId="{1B6C6D64-B8E0-4CB0-A30F-B57611FED85E}"/>
+            <pc:sldMk cId="2817483075" sldId="262"/>
+            <ac:spMk id="3" creationId="{1B6B8B6E-FF55-4787-9407-E6EC28477255}"/>
           </ac:spMkLst>
         </pc:spChg>
       </pc:sldChg>
@@ -938,6 +1051,166 @@
             <ac:picMk id="6" creationId="{E7C1C551-EBE2-4EA8-85E2-DFDDCDDFAFCE}"/>
           </ac:picMkLst>
         </pc:picChg>
+      </pc:sldChg>
+    </pc:docChg>
+  </pc:docChgLst>
+  <pc:docChgLst>
+    <pc:chgData name="MAUBERGER Florian" userId="S::florian.mauberger@ynov.com::72a45b50-186c-4ac8-9112-71587bae95d5" providerId="AD" clId="Web-{5C7CA0E7-ADF3-4FC1-A760-D82EF45DC9FB}"/>
+    <pc:docChg chg="addSld delSld modSld">
+      <pc:chgData name="MAUBERGER Florian" userId="S::florian.mauberger@ynov.com::72a45b50-186c-4ac8-9112-71587bae95d5" providerId="AD" clId="Web-{5C7CA0E7-ADF3-4FC1-A760-D82EF45DC9FB}" dt="2020-06-01T15:21:39.179" v="37"/>
+      <pc:docMkLst>
+        <pc:docMk/>
+      </pc:docMkLst>
+      <pc:sldChg chg="modSp modTransition">
+        <pc:chgData name="MAUBERGER Florian" userId="S::florian.mauberger@ynov.com::72a45b50-186c-4ac8-9112-71587bae95d5" providerId="AD" clId="Web-{5C7CA0E7-ADF3-4FC1-A760-D82EF45DC9FB}" dt="2020-06-01T15:19:37.603" v="20" actId="1076"/>
+        <pc:sldMkLst>
+          <pc:docMk/>
+          <pc:sldMk cId="2817483075" sldId="262"/>
+        </pc:sldMkLst>
+        <pc:spChg chg="mod">
+          <ac:chgData name="MAUBERGER Florian" userId="S::florian.mauberger@ynov.com::72a45b50-186c-4ac8-9112-71587bae95d5" providerId="AD" clId="Web-{5C7CA0E7-ADF3-4FC1-A760-D82EF45DC9FB}" dt="2020-06-01T15:19:37.603" v="20" actId="1076"/>
+          <ac:spMkLst>
+            <pc:docMk/>
+            <pc:sldMk cId="2817483075" sldId="262"/>
+            <ac:spMk id="2" creationId="{B92D06C7-C1F8-4B36-B46C-CAB6193B625C}"/>
+          </ac:spMkLst>
+        </pc:spChg>
+      </pc:sldChg>
+      <pc:sldChg chg="del">
+        <pc:chgData name="MAUBERGER Florian" userId="S::florian.mauberger@ynov.com::72a45b50-186c-4ac8-9112-71587bae95d5" providerId="AD" clId="Web-{5C7CA0E7-ADF3-4FC1-A760-D82EF45DC9FB}" dt="2020-06-01T15:19:54.227" v="24"/>
+        <pc:sldMkLst>
+          <pc:docMk/>
+          <pc:sldMk cId="2185707809" sldId="264"/>
+        </pc:sldMkLst>
+      </pc:sldChg>
+      <pc:sldChg chg="del">
+        <pc:chgData name="MAUBERGER Florian" userId="S::florian.mauberger@ynov.com::72a45b50-186c-4ac8-9112-71587bae95d5" providerId="AD" clId="Web-{5C7CA0E7-ADF3-4FC1-A760-D82EF45DC9FB}" dt="2020-06-01T15:20:25.805" v="29"/>
+        <pc:sldMkLst>
+          <pc:docMk/>
+          <pc:sldMk cId="3669587142" sldId="265"/>
+        </pc:sldMkLst>
+      </pc:sldChg>
+      <pc:sldChg chg="del">
+        <pc:chgData name="MAUBERGER Florian" userId="S::florian.mauberger@ynov.com::72a45b50-186c-4ac8-9112-71587bae95d5" providerId="AD" clId="Web-{5C7CA0E7-ADF3-4FC1-A760-D82EF45DC9FB}" dt="2020-06-01T15:20:41.258" v="35"/>
+        <pc:sldMkLst>
+          <pc:docMk/>
+          <pc:sldMk cId="3714297337" sldId="266"/>
+        </pc:sldMkLst>
+      </pc:sldChg>
+      <pc:sldChg chg="addAnim modAnim">
+        <pc:chgData name="MAUBERGER Florian" userId="S::florian.mauberger@ynov.com::72a45b50-186c-4ac8-9112-71587bae95d5" providerId="AD" clId="Web-{5C7CA0E7-ADF3-4FC1-A760-D82EF45DC9FB}" dt="2020-06-01T15:21:39.179" v="37"/>
+        <pc:sldMkLst>
+          <pc:docMk/>
+          <pc:sldMk cId="456575112" sldId="268"/>
+        </pc:sldMkLst>
+      </pc:sldChg>
+      <pc:sldChg chg="modSp modTransition">
+        <pc:chgData name="MAUBERGER Florian" userId="S::florian.mauberger@ynov.com::72a45b50-186c-4ac8-9112-71587bae95d5" providerId="AD" clId="Web-{5C7CA0E7-ADF3-4FC1-A760-D82EF45DC9FB}" dt="2020-06-01T15:18:56.447" v="14" actId="1076"/>
+        <pc:sldMkLst>
+          <pc:docMk/>
+          <pc:sldMk cId="3789203267" sldId="277"/>
+        </pc:sldMkLst>
+        <pc:spChg chg="mod">
+          <ac:chgData name="MAUBERGER Florian" userId="S::florian.mauberger@ynov.com::72a45b50-186c-4ac8-9112-71587bae95d5" providerId="AD" clId="Web-{5C7CA0E7-ADF3-4FC1-A760-D82EF45DC9FB}" dt="2020-06-01T15:18:56.447" v="14" actId="1076"/>
+          <ac:spMkLst>
+            <pc:docMk/>
+            <pc:sldMk cId="3789203267" sldId="277"/>
+            <ac:spMk id="2" creationId="{B92D06C7-C1F8-4B36-B46C-CAB6193B625C}"/>
+          </ac:spMkLst>
+        </pc:spChg>
+      </pc:sldChg>
+      <pc:sldChg chg="addSp delSp modSp add replId modTransition">
+        <pc:chgData name="MAUBERGER Florian" userId="S::florian.mauberger@ynov.com::72a45b50-186c-4ac8-9112-71587bae95d5" providerId="AD" clId="Web-{5C7CA0E7-ADF3-4FC1-A760-D82EF45DC9FB}" dt="2020-06-01T15:19:43.821" v="21"/>
+        <pc:sldMkLst>
+          <pc:docMk/>
+          <pc:sldMk cId="974903408" sldId="278"/>
+        </pc:sldMkLst>
+        <pc:spChg chg="mod">
+          <ac:chgData name="MAUBERGER Florian" userId="S::florian.mauberger@ynov.com::72a45b50-186c-4ac8-9112-71587bae95d5" providerId="AD" clId="Web-{5C7CA0E7-ADF3-4FC1-A760-D82EF45DC9FB}" dt="2020-06-01T15:19:01.760" v="16" actId="1076"/>
+          <ac:spMkLst>
+            <pc:docMk/>
+            <pc:sldMk cId="974903408" sldId="278"/>
+            <ac:spMk id="2" creationId="{B92D06C7-C1F8-4B36-B46C-CAB6193B625C}"/>
+          </ac:spMkLst>
+        </pc:spChg>
+        <pc:spChg chg="del">
+          <ac:chgData name="MAUBERGER Florian" userId="S::florian.mauberger@ynov.com::72a45b50-186c-4ac8-9112-71587bae95d5" providerId="AD" clId="Web-{5C7CA0E7-ADF3-4FC1-A760-D82EF45DC9FB}" dt="2020-06-01T15:17:58.323" v="6"/>
+          <ac:spMkLst>
+            <pc:docMk/>
+            <pc:sldMk cId="974903408" sldId="278"/>
+            <ac:spMk id="3" creationId="{8101DC15-49D6-4C78-B6A8-DDBE757E12B8}"/>
+          </ac:spMkLst>
+        </pc:spChg>
+        <pc:spChg chg="add mod">
+          <ac:chgData name="MAUBERGER Florian" userId="S::florian.mauberger@ynov.com::72a45b50-186c-4ac8-9112-71587bae95d5" providerId="AD" clId="Web-{5C7CA0E7-ADF3-4FC1-A760-D82EF45DC9FB}" dt="2020-06-01T15:18:23.104" v="10" actId="1076"/>
+          <ac:spMkLst>
+            <pc:docMk/>
+            <pc:sldMk cId="974903408" sldId="278"/>
+            <ac:spMk id="4" creationId="{EE763743-DDC7-4649-BED3-11AFDE3F94E1}"/>
+          </ac:spMkLst>
+        </pc:spChg>
+      </pc:sldChg>
+      <pc:sldChg chg="addSp delSp modSp add replId">
+        <pc:chgData name="MAUBERGER Florian" userId="S::florian.mauberger@ynov.com::72a45b50-186c-4ac8-9112-71587bae95d5" providerId="AD" clId="Web-{5C7CA0E7-ADF3-4FC1-A760-D82EF45DC9FB}" dt="2020-06-01T15:20:15.790" v="28" actId="1076"/>
+        <pc:sldMkLst>
+          <pc:docMk/>
+          <pc:sldMk cId="3662952038" sldId="279"/>
+        </pc:sldMkLst>
+        <pc:spChg chg="add mod">
+          <ac:chgData name="MAUBERGER Florian" userId="S::florian.mauberger@ynov.com::72a45b50-186c-4ac8-9112-71587bae95d5" providerId="AD" clId="Web-{5C7CA0E7-ADF3-4FC1-A760-D82EF45DC9FB}" dt="2020-06-01T15:20:04.352" v="26" actId="1076"/>
+          <ac:spMkLst>
+            <pc:docMk/>
+            <pc:sldMk cId="3662952038" sldId="279"/>
+            <ac:spMk id="3" creationId="{88A4A1F2-65D9-4093-AF8A-0B4C2D3ED553}"/>
+          </ac:spMkLst>
+        </pc:spChg>
+        <pc:spChg chg="del">
+          <ac:chgData name="MAUBERGER Florian" userId="S::florian.mauberger@ynov.com::72a45b50-186c-4ac8-9112-71587bae95d5" providerId="AD" clId="Web-{5C7CA0E7-ADF3-4FC1-A760-D82EF45DC9FB}" dt="2020-06-01T15:19:51.149" v="23"/>
+          <ac:spMkLst>
+            <pc:docMk/>
+            <pc:sldMk cId="3662952038" sldId="279"/>
+            <ac:spMk id="4" creationId="{EE763743-DDC7-4649-BED3-11AFDE3F94E1}"/>
+          </ac:spMkLst>
+        </pc:spChg>
+        <pc:spChg chg="add mod">
+          <ac:chgData name="MAUBERGER Florian" userId="S::florian.mauberger@ynov.com::72a45b50-186c-4ac8-9112-71587bae95d5" providerId="AD" clId="Web-{5C7CA0E7-ADF3-4FC1-A760-D82EF45DC9FB}" dt="2020-06-01T15:20:15.790" v="28" actId="1076"/>
+          <ac:spMkLst>
+            <pc:docMk/>
+            <pc:sldMk cId="3662952038" sldId="279"/>
+            <ac:spMk id="8" creationId="{2A12D088-08AD-450E-9BBC-73A7C8BA5B08}"/>
+          </ac:spMkLst>
+        </pc:spChg>
+      </pc:sldChg>
+      <pc:sldChg chg="addSp delSp modSp add replId">
+        <pc:chgData name="MAUBERGER Florian" userId="S::florian.mauberger@ynov.com::72a45b50-186c-4ac8-9112-71587bae95d5" providerId="AD" clId="Web-{5C7CA0E7-ADF3-4FC1-A760-D82EF45DC9FB}" dt="2020-06-01T15:20:39.555" v="34" actId="1076"/>
+        <pc:sldMkLst>
+          <pc:docMk/>
+          <pc:sldMk cId="1425339779" sldId="280"/>
+        </pc:sldMkLst>
+        <pc:spChg chg="del">
+          <ac:chgData name="MAUBERGER Florian" userId="S::florian.mauberger@ynov.com::72a45b50-186c-4ac8-9112-71587bae95d5" providerId="AD" clId="Web-{5C7CA0E7-ADF3-4FC1-A760-D82EF45DC9FB}" dt="2020-06-01T15:20:30.914" v="31"/>
+          <ac:spMkLst>
+            <pc:docMk/>
+            <pc:sldMk cId="1425339779" sldId="280"/>
+            <ac:spMk id="3" creationId="{88A4A1F2-65D9-4093-AF8A-0B4C2D3ED553}"/>
+          </ac:spMkLst>
+        </pc:spChg>
+        <pc:spChg chg="add mod">
+          <ac:chgData name="MAUBERGER Florian" userId="S::florian.mauberger@ynov.com::72a45b50-186c-4ac8-9112-71587bae95d5" providerId="AD" clId="Web-{5C7CA0E7-ADF3-4FC1-A760-D82EF45DC9FB}" dt="2020-06-01T15:20:39.555" v="34" actId="1076"/>
+          <ac:spMkLst>
+            <pc:docMk/>
+            <pc:sldMk cId="1425339779" sldId="280"/>
+            <ac:spMk id="4" creationId="{E950B594-2D8C-483C-A685-385FDDCF809C}"/>
+          </ac:spMkLst>
+        </pc:spChg>
+        <pc:spChg chg="del">
+          <ac:chgData name="MAUBERGER Florian" userId="S::florian.mauberger@ynov.com::72a45b50-186c-4ac8-9112-71587bae95d5" providerId="AD" clId="Web-{5C7CA0E7-ADF3-4FC1-A760-D82EF45DC9FB}" dt="2020-06-01T15:20:32.196" v="32"/>
+          <ac:spMkLst>
+            <pc:docMk/>
+            <pc:sldMk cId="1425339779" sldId="280"/>
+            <ac:spMk id="8" creationId="{2A12D088-08AD-450E-9BBC-73A7C8BA5B08}"/>
+          </ac:spMkLst>
+        </pc:spChg>
       </pc:sldChg>
     </pc:docChg>
   </pc:docChgLst>
@@ -2096,7 +2369,7 @@
             <a:fld id="{B61BEF0D-F0BB-DE4B-95CE-6DB70DBA9567}" type="datetimeFigureOut">
               <a:rPr lang="en-US" dirty="0"/>
               <a:pPr/>
-              <a:t>5/30/2020</a:t>
+              <a:t>6/1/2020</a:t>
             </a:fld>
             <a:endParaRPr lang="en-US"/>
           </a:p>
@@ -2149,7 +2422,7 @@
             <a:fld id="{D57F1E4F-1CFF-5643-939E-217C01CDF565}" type="slidenum">
               <a:rPr lang="en-US" dirty="0"/>
               <a:pPr/>
-              <a:t>‹N°›</a:t>
+              <a:t>‹#›</a:t>
             </a:fld>
             <a:endParaRPr lang="en-US"/>
           </a:p>
@@ -2198,7 +2471,7 @@
           </a:ln>
           <a:extLst>
             <a:ext uri="{91240B29-F687-4f45-9708-019B960494DF}">
-              <a14:hiddenLine xmlns="" xmlns:a14="http://schemas.microsoft.com/office/drawing/2010/main" w="9525">
+              <a14:hiddenLine xmlns:a14="http://schemas.microsoft.com/office/drawing/2010/main" xmlns="" w="9525">
                 <a:solidFill>
                   <a:srgbClr val="000000"/>
                 </a:solidFill>
@@ -2253,7 +2526,7 @@
           </a:ln>
           <a:extLst>
             <a:ext uri="{91240B29-F687-4f45-9708-019B960494DF}">
-              <a14:hiddenLine xmlns="" xmlns:a14="http://schemas.microsoft.com/office/drawing/2010/main" w="9525">
+              <a14:hiddenLine xmlns:a14="http://schemas.microsoft.com/office/drawing/2010/main" xmlns="" w="9525">
                 <a:solidFill>
                   <a:srgbClr val="000000"/>
                 </a:solidFill>
@@ -2504,7 +2777,7 @@
             <a:fld id="{B61BEF0D-F0BB-DE4B-95CE-6DB70DBA9567}" type="datetimeFigureOut">
               <a:rPr lang="en-US" dirty="0"/>
               <a:pPr/>
-              <a:t>5/30/2020</a:t>
+              <a:t>6/1/2020</a:t>
             </a:fld>
             <a:endParaRPr lang="en-US"/>
           </a:p>
@@ -2547,7 +2820,7 @@
             <a:fld id="{D57F1E4F-1CFF-5643-939E-217C01CDF565}" type="slidenum">
               <a:rPr lang="en-US" dirty="0"/>
               <a:pPr/>
-              <a:t>‹N°›</a:t>
+              <a:t>‹#›</a:t>
             </a:fld>
             <a:endParaRPr lang="en-US"/>
           </a:p>
@@ -2753,7 +3026,7 @@
             <a:fld id="{B61BEF0D-F0BB-DE4B-95CE-6DB70DBA9567}" type="datetimeFigureOut">
               <a:rPr lang="en-US" dirty="0"/>
               <a:pPr/>
-              <a:t>5/30/2020</a:t>
+              <a:t>6/1/2020</a:t>
             </a:fld>
             <a:endParaRPr lang="en-US"/>
           </a:p>
@@ -2796,7 +3069,7 @@
             <a:fld id="{D57F1E4F-1CFF-5643-939E-217C01CDF565}" type="slidenum">
               <a:rPr lang="en-US" dirty="0"/>
               <a:pPr/>
-              <a:t>‹N°›</a:t>
+              <a:t>‹#›</a:t>
             </a:fld>
             <a:endParaRPr lang="en-US"/>
           </a:p>
@@ -3294,7 +3567,7 @@
             <a:fld id="{B61BEF0D-F0BB-DE4B-95CE-6DB70DBA9567}" type="datetimeFigureOut">
               <a:rPr lang="en-US" dirty="0"/>
               <a:pPr/>
-              <a:t>5/30/2020</a:t>
+              <a:t>6/1/2020</a:t>
             </a:fld>
             <a:endParaRPr lang="en-US"/>
           </a:p>
@@ -3337,7 +3610,7 @@
             <a:fld id="{D57F1E4F-1CFF-5643-939E-217C01CDF565}" type="slidenum">
               <a:rPr lang="en-US" dirty="0"/>
               <a:pPr/>
-              <a:t>‹N°›</a:t>
+              <a:t>‹#›</a:t>
             </a:fld>
             <a:endParaRPr lang="en-US"/>
           </a:p>
@@ -3543,7 +3816,7 @@
             <a:fld id="{B61BEF0D-F0BB-DE4B-95CE-6DB70DBA9567}" type="datetimeFigureOut">
               <a:rPr lang="en-US" dirty="0"/>
               <a:pPr/>
-              <a:t>5/30/2020</a:t>
+              <a:t>6/1/2020</a:t>
             </a:fld>
             <a:endParaRPr lang="en-US"/>
           </a:p>
@@ -3586,7 +3859,7 @@
             <a:fld id="{D57F1E4F-1CFF-5643-939E-217C01CDF565}" type="slidenum">
               <a:rPr lang="en-US" dirty="0"/>
               <a:pPr/>
-              <a:t>‹N°›</a:t>
+              <a:t>‹#›</a:t>
             </a:fld>
             <a:endParaRPr lang="en-US"/>
           </a:p>
@@ -4076,7 +4349,7 @@
             <a:fld id="{B61BEF0D-F0BB-DE4B-95CE-6DB70DBA9567}" type="datetimeFigureOut">
               <a:rPr lang="en-US" dirty="0"/>
               <a:pPr/>
-              <a:t>5/30/2020</a:t>
+              <a:t>6/1/2020</a:t>
             </a:fld>
             <a:endParaRPr lang="en-US"/>
           </a:p>
@@ -4119,7 +4392,7 @@
             <a:fld id="{D57F1E4F-1CFF-5643-939E-217C01CDF565}" type="slidenum">
               <a:rPr lang="en-US" dirty="0"/>
               <a:pPr/>
-              <a:t>‹N°›</a:t>
+              <a:t>‹#›</a:t>
             </a:fld>
             <a:endParaRPr lang="en-US"/>
           </a:p>
@@ -4374,7 +4647,7 @@
             <a:fld id="{B61BEF0D-F0BB-DE4B-95CE-6DB70DBA9567}" type="datetimeFigureOut">
               <a:rPr lang="en-US" dirty="0"/>
               <a:pPr/>
-              <a:t>5/30/2020</a:t>
+              <a:t>6/1/2020</a:t>
             </a:fld>
             <a:endParaRPr lang="en-US"/>
           </a:p>
@@ -4417,7 +4690,7 @@
             <a:fld id="{D57F1E4F-1CFF-5643-939E-217C01CDF565}" type="slidenum">
               <a:rPr lang="en-US" dirty="0"/>
               <a:pPr/>
-              <a:t>‹N°›</a:t>
+              <a:t>‹#›</a:t>
             </a:fld>
             <a:endParaRPr lang="en-US"/>
           </a:p>
@@ -4548,7 +4821,7 @@
             <a:fld id="{B61BEF0D-F0BB-DE4B-95CE-6DB70DBA9567}" type="datetimeFigureOut">
               <a:rPr lang="en-US" dirty="0"/>
               <a:pPr/>
-              <a:t>5/30/2020</a:t>
+              <a:t>6/1/2020</a:t>
             </a:fld>
             <a:endParaRPr lang="en-US"/>
           </a:p>
@@ -4591,7 +4864,7 @@
             <a:fld id="{D57F1E4F-1CFF-5643-939E-217C01CDF565}" type="slidenum">
               <a:rPr lang="en-US" dirty="0"/>
               <a:pPr/>
-              <a:t>‹N°›</a:t>
+              <a:t>‹#›</a:t>
             </a:fld>
             <a:endParaRPr lang="en-US"/>
           </a:p>
@@ -4728,7 +5001,7 @@
             <a:fld id="{B61BEF0D-F0BB-DE4B-95CE-6DB70DBA9567}" type="datetimeFigureOut">
               <a:rPr lang="en-US" dirty="0"/>
               <a:pPr/>
-              <a:t>5/30/2020</a:t>
+              <a:t>6/1/2020</a:t>
             </a:fld>
             <a:endParaRPr lang="en-US"/>
           </a:p>
@@ -4771,7 +5044,7 @@
             <a:fld id="{D57F1E4F-1CFF-5643-939E-217C01CDF565}" type="slidenum">
               <a:rPr lang="en-US" dirty="0"/>
               <a:pPr/>
-              <a:t>‹N°›</a:t>
+              <a:t>‹#›</a:t>
             </a:fld>
             <a:endParaRPr lang="en-US"/>
           </a:p>
@@ -4913,7 +5186,7 @@
             <a:fld id="{B61BEF0D-F0BB-DE4B-95CE-6DB70DBA9567}" type="datetimeFigureOut">
               <a:rPr lang="en-US" dirty="0"/>
               <a:pPr/>
-              <a:t>5/30/2020</a:t>
+              <a:t>6/1/2020</a:t>
             </a:fld>
             <a:endParaRPr lang="en-US"/>
           </a:p>
@@ -4966,7 +5239,7 @@
             <a:fld id="{D57F1E4F-1CFF-5643-939E-217C01CDF565}" type="slidenum">
               <a:rPr lang="en-US" dirty="0"/>
               <a:pPr/>
-              <a:t>‹N°›</a:t>
+              <a:t>‹#›</a:t>
             </a:fld>
             <a:endParaRPr lang="en-US"/>
           </a:p>
@@ -5170,7 +5443,7 @@
             <a:fld id="{B61BEF0D-F0BB-DE4B-95CE-6DB70DBA9567}" type="datetimeFigureOut">
               <a:rPr lang="en-US" dirty="0"/>
               <a:pPr/>
-              <a:t>5/30/2020</a:t>
+              <a:t>6/1/2020</a:t>
             </a:fld>
             <a:endParaRPr lang="en-US"/>
           </a:p>
@@ -5218,7 +5491,7 @@
             <a:fld id="{D57F1E4F-1CFF-5643-939E-217C01CDF565}" type="slidenum">
               <a:rPr lang="en-US" dirty="0"/>
               <a:pPr/>
-              <a:t>‹N°›</a:t>
+              <a:t>‹#›</a:t>
             </a:fld>
             <a:endParaRPr lang="en-US"/>
           </a:p>
@@ -5471,7 +5744,7 @@
             <a:fld id="{B61BEF0D-F0BB-DE4B-95CE-6DB70DBA9567}" type="datetimeFigureOut">
               <a:rPr lang="en-US" dirty="0"/>
               <a:pPr/>
-              <a:t>5/30/2020</a:t>
+              <a:t>6/1/2020</a:t>
             </a:fld>
             <a:endParaRPr lang="en-US"/>
           </a:p>
@@ -5514,7 +5787,7 @@
             <a:fld id="{D57F1E4F-1CFF-5643-939E-217C01CDF565}" type="slidenum">
               <a:rPr lang="en-US" dirty="0"/>
               <a:pPr/>
-              <a:t>‹N°›</a:t>
+              <a:t>‹#›</a:t>
             </a:fld>
             <a:endParaRPr lang="en-US"/>
           </a:p>
@@ -5912,7 +6185,7 @@
             <a:fld id="{B61BEF0D-F0BB-DE4B-95CE-6DB70DBA9567}" type="datetimeFigureOut">
               <a:rPr lang="en-US" dirty="0"/>
               <a:pPr/>
-              <a:t>5/30/2020</a:t>
+              <a:t>6/1/2020</a:t>
             </a:fld>
             <a:endParaRPr lang="en-US"/>
           </a:p>
@@ -5955,7 +6228,7 @@
             <a:fld id="{D57F1E4F-1CFF-5643-939E-217C01CDF565}" type="slidenum">
               <a:rPr lang="en-US" dirty="0"/>
               <a:pPr/>
-              <a:t>‹N°›</a:t>
+              <a:t>‹#›</a:t>
             </a:fld>
             <a:endParaRPr lang="en-US"/>
           </a:p>
@@ -6031,7 +6304,7 @@
             <a:fld id="{B61BEF0D-F0BB-DE4B-95CE-6DB70DBA9567}" type="datetimeFigureOut">
               <a:rPr lang="en-US" dirty="0"/>
               <a:pPr/>
-              <a:t>5/30/2020</a:t>
+              <a:t>6/1/2020</a:t>
             </a:fld>
             <a:endParaRPr lang="en-US"/>
           </a:p>
@@ -6074,7 +6347,7 @@
             <a:fld id="{D57F1E4F-1CFF-5643-939E-217C01CDF565}" type="slidenum">
               <a:rPr lang="en-US" dirty="0"/>
               <a:pPr/>
-              <a:t>‹N°›</a:t>
+              <a:t>‹#›</a:t>
             </a:fld>
             <a:endParaRPr lang="en-US"/>
           </a:p>
@@ -6128,7 +6401,7 @@
             <a:fld id="{B61BEF0D-F0BB-DE4B-95CE-6DB70DBA9567}" type="datetimeFigureOut">
               <a:rPr lang="en-US" dirty="0"/>
               <a:pPr/>
-              <a:t>5/30/2020</a:t>
+              <a:t>6/1/2020</a:t>
             </a:fld>
             <a:endParaRPr lang="en-US"/>
           </a:p>
@@ -6171,7 +6444,7 @@
             <a:fld id="{D57F1E4F-1CFF-5643-939E-217C01CDF565}" type="slidenum">
               <a:rPr lang="en-US" dirty="0"/>
               <a:pPr/>
-              <a:t>‹N°›</a:t>
+              <a:t>‹#›</a:t>
             </a:fld>
             <a:endParaRPr lang="en-US"/>
           </a:p>
@@ -6411,7 +6684,7 @@
             <a:fld id="{B61BEF0D-F0BB-DE4B-95CE-6DB70DBA9567}" type="datetimeFigureOut">
               <a:rPr lang="en-US" dirty="0"/>
               <a:pPr/>
-              <a:t>5/30/2020</a:t>
+              <a:t>6/1/2020</a:t>
             </a:fld>
             <a:endParaRPr lang="en-US"/>
           </a:p>
@@ -6454,7 +6727,7 @@
             <a:fld id="{D57F1E4F-1CFF-5643-939E-217C01CDF565}" type="slidenum">
               <a:rPr lang="en-US" dirty="0"/>
               <a:pPr/>
-              <a:t>‹N°›</a:t>
+              <a:t>‹#›</a:t>
             </a:fld>
             <a:endParaRPr lang="en-US"/>
           </a:p>
@@ -6699,7 +6972,7 @@
             <a:fld id="{B61BEF0D-F0BB-DE4B-95CE-6DB70DBA9567}" type="datetimeFigureOut">
               <a:rPr lang="en-US" dirty="0"/>
               <a:pPr/>
-              <a:t>5/30/2020</a:t>
+              <a:t>6/1/2020</a:t>
             </a:fld>
             <a:endParaRPr lang="en-US"/>
           </a:p>
@@ -6742,7 +7015,7 @@
             <a:fld id="{D57F1E4F-1CFF-5643-939E-217C01CDF565}" type="slidenum">
               <a:rPr lang="en-US" dirty="0"/>
               <a:pPr/>
-              <a:t>‹N°›</a:t>
+              <a:t>‹#›</a:t>
             </a:fld>
             <a:endParaRPr lang="en-US"/>
           </a:p>
@@ -7223,7 +7496,7 @@
             <a:fld id="{B61BEF0D-F0BB-DE4B-95CE-6DB70DBA9567}" type="datetimeFigureOut">
               <a:rPr lang="en-US" dirty="0"/>
               <a:pPr/>
-              <a:t>5/30/2020</a:t>
+              <a:t>6/1/2020</a:t>
             </a:fld>
             <a:endParaRPr lang="en-US"/>
           </a:p>
@@ -7302,7 +7575,7 @@
             <a:fld id="{D57F1E4F-1CFF-5643-939E-217C01CDF565}" type="slidenum">
               <a:rPr lang="en-US" dirty="0"/>
               <a:pPr/>
-              <a:t>‹N°›</a:t>
+              <a:t>‹#›</a:t>
             </a:fld>
             <a:endParaRPr lang="en-US"/>
           </a:p>
@@ -7847,7 +8120,7 @@
           <p:cNvPr id="2" name="Titre 1">
             <a:extLst>
               <a:ext uri="{FF2B5EF4-FFF2-40B4-BE49-F238E27FC236}">
-                <a16:creationId xmlns:a16="http://schemas.microsoft.com/office/drawing/2014/main" id="{2FA40946-0C0A-4C60-A451-74A56C9D8536}"/>
+                <a16:creationId xmlns:a16="http://schemas.microsoft.com/office/drawing/2014/main" id="{B92D06C7-C1F8-4B36-B46C-CAB6193B625C}"/>
               </a:ext>
             </a:extLst>
           </p:cNvPr>
@@ -7858,53 +8131,29 @@
             <p:ph type="title"/>
           </p:nvPr>
         </p:nvSpPr>
-        <p:spPr/>
+        <p:spPr>
+          <a:xfrm>
+            <a:off x="1077054" y="188260"/>
+            <a:ext cx="7704667" cy="1981200"/>
+          </a:xfrm>
+        </p:spPr>
         <p:txBody>
           <a:bodyPr/>
           <a:lstStyle/>
           <a:p>
             <a:r>
               <a:rPr lang="fr-FR"/>
-              <a:t>Serveurs</a:t>
+              <a:t>Vue d'ensemble</a:t>
             </a:r>
           </a:p>
         </p:txBody>
       </p:sp>
       <p:pic>
         <p:nvPicPr>
-          <p:cNvPr id="4" name="Image 4" descr="Une image contenant capture d’écran, horloge&#10;&#10;Description générée avec un niveau de confiance très élevé">
+          <p:cNvPr id="6" name="Image 6" descr="Une image contenant texte, carte&#10;&#10;Description générée avec un niveau de confiance très élevé">
             <a:extLst>
               <a:ext uri="{FF2B5EF4-FFF2-40B4-BE49-F238E27FC236}">
-                <a16:creationId xmlns:a16="http://schemas.microsoft.com/office/drawing/2014/main" id="{920DDC24-ED9D-4CE6-9A8E-3360058B64EC}"/>
-              </a:ext>
-            </a:extLst>
-          </p:cNvPr>
-          <p:cNvPicPr>
-            <a:picLocks noGrp="1" noChangeAspect="1"/>
-          </p:cNvPicPr>
-          <p:nvPr>
-            <p:ph idx="1"/>
-          </p:nvPr>
-        </p:nvPicPr>
-        <p:blipFill>
-          <a:blip r:embed="rId2"/>
-          <a:stretch>
-            <a:fillRect/>
-          </a:stretch>
-        </p:blipFill>
-        <p:spPr>
-          <a:xfrm>
-            <a:off x="2410354" y="1881840"/>
-            <a:ext cx="984437" cy="1792381"/>
-          </a:xfrm>
-        </p:spPr>
-      </p:pic>
-      <p:pic>
-        <p:nvPicPr>
-          <p:cNvPr id="5" name="Image 5" descr="Une image contenant horloge&#10;&#10;Description générée avec un niveau de confiance très élevé">
-            <a:extLst>
-              <a:ext uri="{FF2B5EF4-FFF2-40B4-BE49-F238E27FC236}">
-                <a16:creationId xmlns:a16="http://schemas.microsoft.com/office/drawing/2014/main" id="{A886B024-CFFC-40B2-A9D3-46D9A58F3C38}"/>
+                <a16:creationId xmlns:a16="http://schemas.microsoft.com/office/drawing/2014/main" id="{4DFC32A1-ABDD-4513-A636-D124D8BC3494}"/>
               </a:ext>
             </a:extLst>
           </p:cNvPr>
@@ -7914,15 +8163,15 @@
           <p:nvPr/>
         </p:nvPicPr>
         <p:blipFill>
-          <a:blip r:embed="rId3"/>
+          <a:blip r:embed="rId2" cstate="print"/>
           <a:stretch>
             <a:fillRect/>
           </a:stretch>
         </p:blipFill>
         <p:spPr>
           <a:xfrm>
-            <a:off x="5855913" y="2026863"/>
-            <a:ext cx="1304925" cy="1495425"/>
+            <a:off x="1909483" y="1869141"/>
+            <a:ext cx="6033246" cy="4204446"/>
           </a:xfrm>
           <a:prstGeom prst="rect">
             <a:avLst/>
@@ -7931,10 +8180,10 @@
       </p:pic>
       <p:sp>
         <p:nvSpPr>
-          <p:cNvPr id="6" name="ZoneTexte 5">
+          <p:cNvPr id="3" name="ZoneTexte 2">
             <a:extLst>
               <a:ext uri="{FF2B5EF4-FFF2-40B4-BE49-F238E27FC236}">
-                <a16:creationId xmlns:a16="http://schemas.microsoft.com/office/drawing/2014/main" id="{290EC6E1-74D9-4714-A505-7CEE5C0FE675}"/>
+                <a16:creationId xmlns:a16="http://schemas.microsoft.com/office/drawing/2014/main" id="{88A4A1F2-65D9-4093-AF8A-0B4C2D3ED553}"/>
               </a:ext>
             </a:extLst>
           </p:cNvPr>
@@ -7943,7 +8192,7 @@
         </p:nvSpPr>
         <p:spPr>
           <a:xfrm>
-            <a:off x="1532965" y="3980329"/>
+            <a:off x="749872" y="3853768"/>
             <a:ext cx="2743200" cy="1754326"/>
           </a:xfrm>
           <a:prstGeom prst="rect">
@@ -7993,10 +8242,10 @@
       </p:sp>
       <p:sp>
         <p:nvSpPr>
-          <p:cNvPr id="7" name="ZoneTexte 6">
+          <p:cNvPr id="8" name="ZoneTexte 7">
             <a:extLst>
               <a:ext uri="{FF2B5EF4-FFF2-40B4-BE49-F238E27FC236}">
-                <a16:creationId xmlns:a16="http://schemas.microsoft.com/office/drawing/2014/main" id="{C6FDEAE8-BE01-4156-A068-C1AB89B8F150}"/>
+                <a16:creationId xmlns:a16="http://schemas.microsoft.com/office/drawing/2014/main" id="{2A12D088-08AD-450E-9BBC-73A7C8BA5B08}"/>
               </a:ext>
             </a:extLst>
           </p:cNvPr>
@@ -8005,7 +8254,7 @@
         </p:nvSpPr>
         <p:spPr>
           <a:xfrm>
-            <a:off x="5037603" y="3979768"/>
+            <a:off x="4879402" y="6075927"/>
             <a:ext cx="2949387" cy="646331"/>
           </a:xfrm>
           <a:prstGeom prst="rect">
@@ -8042,13 +8291,25 @@
     </p:spTree>
     <p:extLst>
       <p:ext uri="{BB962C8B-B14F-4D97-AF65-F5344CB8AC3E}">
-        <p14:creationId xmlns:p14="http://schemas.microsoft.com/office/powerpoint/2010/main" val="3669587142"/>
+        <p14:creationId xmlns:p14="http://schemas.microsoft.com/office/powerpoint/2010/main" val="3662952038"/>
       </p:ext>
     </p:extLst>
   </p:cSld>
   <p:clrMapOvr>
     <a:masterClrMapping/>
   </p:clrMapOvr>
+  <mc:AlternateContent xmlns:mc="http://schemas.openxmlformats.org/markup-compatibility/2006">
+    <mc:Choice xmlns:p14="http://schemas.microsoft.com/office/powerpoint/2010/main" Requires="p14">
+      <p:transition spd="med" p14:dur="700">
+        <p:fade/>
+      </p:transition>
+    </mc:Choice>
+    <mc:Fallback>
+      <p:transition spd="med">
+        <p:fade/>
+      </p:transition>
+    </mc:Fallback>
+  </mc:AlternateContent>
 </p:sld>
 </file>
 
@@ -8074,7 +8335,7 @@
           <p:cNvPr id="2" name="Titre 1">
             <a:extLst>
               <a:ext uri="{FF2B5EF4-FFF2-40B4-BE49-F238E27FC236}">
-                <a16:creationId xmlns:a16="http://schemas.microsoft.com/office/drawing/2014/main" id="{CD8A34E5-9248-4186-8DAD-A95067819E46}"/>
+                <a16:creationId xmlns:a16="http://schemas.microsoft.com/office/drawing/2014/main" id="{B92D06C7-C1F8-4B36-B46C-CAB6193B625C}"/>
               </a:ext>
             </a:extLst>
           </p:cNvPr>
@@ -8085,53 +8346,59 @@
             <p:ph type="title"/>
           </p:nvPr>
         </p:nvSpPr>
-        <p:spPr/>
+        <p:spPr>
+          <a:xfrm>
+            <a:off x="1077054" y="188260"/>
+            <a:ext cx="7704667" cy="1981200"/>
+          </a:xfrm>
+        </p:spPr>
         <p:txBody>
           <a:bodyPr/>
           <a:lstStyle/>
           <a:p>
             <a:r>
               <a:rPr lang="fr-FR"/>
-              <a:t>Clients</a:t>
+              <a:t>Vue d'ensemble</a:t>
             </a:r>
           </a:p>
         </p:txBody>
       </p:sp>
       <p:pic>
         <p:nvPicPr>
-          <p:cNvPr id="4" name="Image 4" descr="Une image contenant objet, horloge&#10;&#10;Description générée avec un niveau de confiance très élevé">
+          <p:cNvPr id="6" name="Image 6" descr="Une image contenant texte, carte&#10;&#10;Description générée avec un niveau de confiance très élevé">
             <a:extLst>
               <a:ext uri="{FF2B5EF4-FFF2-40B4-BE49-F238E27FC236}">
-                <a16:creationId xmlns:a16="http://schemas.microsoft.com/office/drawing/2014/main" id="{E29E08EB-BADC-4A01-9E14-D94B7F0CF25D}"/>
+                <a16:creationId xmlns:a16="http://schemas.microsoft.com/office/drawing/2014/main" id="{4DFC32A1-ABDD-4513-A636-D124D8BC3494}"/>
               </a:ext>
             </a:extLst>
           </p:cNvPr>
           <p:cNvPicPr>
-            <a:picLocks noGrp="1" noChangeAspect="1"/>
+            <a:picLocks noChangeAspect="1"/>
           </p:cNvPicPr>
-          <p:nvPr>
-            <p:ph idx="1"/>
-          </p:nvPr>
+          <p:nvPr/>
         </p:nvPicPr>
         <p:blipFill>
-          <a:blip r:embed="rId2"/>
+          <a:blip r:embed="rId2" cstate="print"/>
           <a:stretch>
             <a:fillRect/>
           </a:stretch>
         </p:blipFill>
         <p:spPr>
           <a:xfrm>
-            <a:off x="4001029" y="3178642"/>
-            <a:ext cx="1666875" cy="1162050"/>
+            <a:off x="1909483" y="1869141"/>
+            <a:ext cx="6033246" cy="4204446"/>
           </a:xfrm>
+          <a:prstGeom prst="rect">
+            <a:avLst/>
+          </a:prstGeom>
         </p:spPr>
       </p:pic>
       <p:sp>
         <p:nvSpPr>
-          <p:cNvPr id="5" name="ZoneTexte 4">
+          <p:cNvPr id="4" name="ZoneTexte 3">
             <a:extLst>
               <a:ext uri="{FF2B5EF4-FFF2-40B4-BE49-F238E27FC236}">
-                <a16:creationId xmlns:a16="http://schemas.microsoft.com/office/drawing/2014/main" id="{97BE4AD8-50E2-4386-928F-0F13A0E90BA8}"/>
+                <a16:creationId xmlns:a16="http://schemas.microsoft.com/office/drawing/2014/main" id="{E950B594-2D8C-483C-A685-385FDDCF809C}"/>
               </a:ext>
             </a:extLst>
           </p:cNvPr>
@@ -8140,7 +8407,7 @@
         </p:nvSpPr>
         <p:spPr>
           <a:xfrm>
-            <a:off x="3998258" y="4473388"/>
+            <a:off x="3001594" y="5327672"/>
             <a:ext cx="1748118" cy="646331"/>
           </a:xfrm>
           <a:prstGeom prst="rect">
@@ -8174,13 +8441,25 @@
     </p:spTree>
     <p:extLst>
       <p:ext uri="{BB962C8B-B14F-4D97-AF65-F5344CB8AC3E}">
-        <p14:creationId xmlns:p14="http://schemas.microsoft.com/office/powerpoint/2010/main" val="3714297337"/>
+        <p14:creationId xmlns:p14="http://schemas.microsoft.com/office/powerpoint/2010/main" val="1425339779"/>
       </p:ext>
     </p:extLst>
   </p:cSld>
   <p:clrMapOvr>
     <a:masterClrMapping/>
   </p:clrMapOvr>
+  <mc:AlternateContent xmlns:mc="http://schemas.openxmlformats.org/markup-compatibility/2006">
+    <mc:Choice xmlns:p14="http://schemas.microsoft.com/office/powerpoint/2010/main" Requires="p14">
+      <p:transition spd="med" p14:dur="700">
+        <p:fade/>
+      </p:transition>
+    </mc:Choice>
+    <mc:Fallback>
+      <p:transition spd="med">
+        <p:fade/>
+      </p:transition>
+    </mc:Fallback>
+  </mc:AlternateContent>
 </p:sld>
 </file>
 
@@ -8329,7 +8608,7 @@
           </p:nvPr>
         </p:nvPicPr>
         <p:blipFill>
-          <a:blip r:embed="rId2"/>
+          <a:blip r:embed="rId2" cstate="print"/>
           <a:stretch>
             <a:fillRect/>
           </a:stretch>
@@ -8356,7 +8635,7 @@
           <p:nvPr/>
         </p:nvPicPr>
         <p:blipFill>
-          <a:blip r:embed="rId3"/>
+          <a:blip r:embed="rId3" cstate="print"/>
           <a:stretch>
             <a:fillRect/>
           </a:stretch>
@@ -8486,13 +8765,7 @@
       </p:grpSpPr>
       <p:sp>
         <p:nvSpPr>
-          <p:cNvPr id="2" name="Titre 1">
-            <a:extLst>
-              <a:ext uri="{FF2B5EF4-FFF2-40B4-BE49-F238E27FC236}">
-                <a16:creationId xmlns:a16="http://schemas.microsoft.com/office/drawing/2014/main" id="{C46F691E-61F2-4D18-9C19-E50FD1CCEAF5}"/>
-              </a:ext>
-            </a:extLst>
-          </p:cNvPr>
+          <p:cNvPr id="2" name="Titre 1"/>
           <p:cNvSpPr>
             <a:spLocks noGrp="1"/>
           </p:cNvSpPr>
@@ -8507,20 +8780,14 @@
           <a:p>
             <a:r>
               <a:rPr lang="fr-FR"/>
-              <a:t>Pare-feu</a:t>
-            </a:r>
-          </a:p>
-        </p:txBody>
-      </p:sp>
-      <p:sp>
-        <p:nvSpPr>
-          <p:cNvPr id="3" name="Espace réservé du contenu 2">
-            <a:extLst>
-              <a:ext uri="{FF2B5EF4-FFF2-40B4-BE49-F238E27FC236}">
-                <a16:creationId xmlns:a16="http://schemas.microsoft.com/office/drawing/2014/main" id="{F9F2C0F0-C064-4DD5-90AB-A466E8EF9D8F}"/>
-              </a:ext>
-            </a:extLst>
-          </p:cNvPr>
+              <a:t>Bonnes pratiques</a:t>
+            </a:r>
+          </a:p>
+        </p:txBody>
+      </p:sp>
+      <p:sp>
+        <p:nvSpPr>
+          <p:cNvPr id="3" name="Espace réservé du contenu 2"/>
           <p:cNvSpPr>
             <a:spLocks noGrp="1"/>
           </p:cNvSpPr>
@@ -8533,16 +8800,26 @@
           <a:bodyPr/>
           <a:lstStyle/>
           <a:p>
-            <a:endParaRPr lang="fr-FR"/>
+            <a:r>
+              <a:rPr lang="fr-FR"/>
+              <a:t>Protection des éléments réseau</a:t>
+            </a:r>
+          </a:p>
+          <a:p>
+            <a:r>
+              <a:rPr lang="fr-FR"/>
+              <a:t>Gestion utilisateurs</a:t>
+            </a:r>
+          </a:p>
+          <a:p>
+            <a:r>
+              <a:rPr lang="fr-FR"/>
+              <a:t>Politique des mots de passes</a:t>
+            </a:r>
           </a:p>
         </p:txBody>
       </p:sp>
     </p:spTree>
-    <p:extLst>
-      <p:ext uri="{BB962C8B-B14F-4D97-AF65-F5344CB8AC3E}">
-        <p14:creationId xmlns:p14="http://schemas.microsoft.com/office/powerpoint/2010/main" val="448771399"/>
-      </p:ext>
-    </p:extLst>
   </p:cSld>
   <p:clrMapOvr>
     <a:masterClrMapping/>
@@ -8572,7 +8849,7 @@
           <p:cNvPr id="2" name="Titre 1">
             <a:extLst>
               <a:ext uri="{FF2B5EF4-FFF2-40B4-BE49-F238E27FC236}">
-                <a16:creationId xmlns:a16="http://schemas.microsoft.com/office/drawing/2014/main" id="{C6257846-E8D1-428E-AC46-F25C4BC9BCF3}"/>
+                <a16:creationId xmlns:a16="http://schemas.microsoft.com/office/drawing/2014/main" id="{C46F691E-61F2-4D18-9C19-E50FD1CCEAF5}"/>
               </a:ext>
             </a:extLst>
           </p:cNvPr>
@@ -8580,7 +8857,7 @@
             <a:spLocks noGrp="1"/>
           </p:cNvSpPr>
           <p:nvPr>
-            <p:ph type="ctrTitle"/>
+            <p:ph type="title"/>
           </p:nvPr>
         </p:nvSpPr>
         <p:spPr/>
@@ -8590,17 +8867,17 @@
           <a:p>
             <a:r>
               <a:rPr lang="fr-FR"/>
-              <a:t>Démonstration</a:t>
-            </a:r>
-          </a:p>
-        </p:txBody>
-      </p:sp>
-      <p:sp>
-        <p:nvSpPr>
-          <p:cNvPr id="3" name="Sous-titre 2">
+              <a:t>Pare-feu</a:t>
+            </a:r>
+          </a:p>
+        </p:txBody>
+      </p:sp>
+      <p:sp>
+        <p:nvSpPr>
+          <p:cNvPr id="3" name="Espace réservé du contenu 2">
             <a:extLst>
               <a:ext uri="{FF2B5EF4-FFF2-40B4-BE49-F238E27FC236}">
-                <a16:creationId xmlns:a16="http://schemas.microsoft.com/office/drawing/2014/main" id="{A562B34F-F7BA-4610-9C94-B009FD43645D}"/>
+                <a16:creationId xmlns:a16="http://schemas.microsoft.com/office/drawing/2014/main" id="{F9F2C0F0-C064-4DD5-90AB-A466E8EF9D8F}"/>
               </a:ext>
             </a:extLst>
           </p:cNvPr>
@@ -8608,7 +8885,7 @@
             <a:spLocks noGrp="1"/>
           </p:cNvSpPr>
           <p:nvPr>
-            <p:ph type="subTitle" idx="1"/>
+            <p:ph idx="1"/>
           </p:nvPr>
         </p:nvSpPr>
         <p:spPr/>
@@ -8616,6 +8893,27 @@
           <a:bodyPr/>
           <a:lstStyle/>
           <a:p>
+            <a:r>
+              <a:rPr lang="fr-FR"/>
+              <a:t>Règles de filtrage</a:t>
+            </a:r>
+          </a:p>
+          <a:p>
+            <a:r>
+              <a:rPr lang="fr-FR"/>
+              <a:t>Logs</a:t>
+            </a:r>
+          </a:p>
+          <a:p>
+            <a:r>
+              <a:rPr lang="fr-FR"/>
+              <a:t>NAT</a:t>
+            </a:r>
+          </a:p>
+          <a:p>
+            <a:pPr marL="0" indent="0">
+              <a:buNone/>
+            </a:pPr>
             <a:endParaRPr lang="fr-FR"/>
           </a:p>
         </p:txBody>
@@ -8623,7 +8921,7 @@
     </p:spTree>
     <p:extLst>
       <p:ext uri="{BB962C8B-B14F-4D97-AF65-F5344CB8AC3E}">
-        <p14:creationId xmlns:p14="http://schemas.microsoft.com/office/powerpoint/2010/main" val="3445942637"/>
+        <p14:creationId xmlns:p14="http://schemas.microsoft.com/office/powerpoint/2010/main" val="448771399"/>
       </p:ext>
     </p:extLst>
   </p:cSld>
@@ -8655,7 +8953,7 @@
           <p:cNvPr id="2" name="Titre 1">
             <a:extLst>
               <a:ext uri="{FF2B5EF4-FFF2-40B4-BE49-F238E27FC236}">
-                <a16:creationId xmlns:a16="http://schemas.microsoft.com/office/drawing/2014/main" id="{37F745DF-0C80-4AA7-8854-57933B4E1EE4}"/>
+                <a16:creationId xmlns:a16="http://schemas.microsoft.com/office/drawing/2014/main" id="{C6257846-E8D1-428E-AC46-F25C4BC9BCF3}"/>
               </a:ext>
             </a:extLst>
           </p:cNvPr>
@@ -8673,7 +8971,7 @@
           <a:p>
             <a:r>
               <a:rPr lang="fr-FR"/>
-              <a:t>Conclusion</a:t>
+              <a:t>Démonstration</a:t>
             </a:r>
           </a:p>
         </p:txBody>
@@ -8683,7 +8981,7 @@
           <p:cNvPr id="3" name="Sous-titre 2">
             <a:extLst>
               <a:ext uri="{FF2B5EF4-FFF2-40B4-BE49-F238E27FC236}">
-                <a16:creationId xmlns:a16="http://schemas.microsoft.com/office/drawing/2014/main" id="{6CBD5226-01F4-4DFE-8297-E175D33DBC67}"/>
+                <a16:creationId xmlns:a16="http://schemas.microsoft.com/office/drawing/2014/main" id="{A562B34F-F7BA-4610-9C94-B009FD43645D}"/>
               </a:ext>
             </a:extLst>
           </p:cNvPr>
@@ -8706,7 +9004,7 @@
     </p:spTree>
     <p:extLst>
       <p:ext uri="{BB962C8B-B14F-4D97-AF65-F5344CB8AC3E}">
-        <p14:creationId xmlns:p14="http://schemas.microsoft.com/office/powerpoint/2010/main" val="419023440"/>
+        <p14:creationId xmlns:p14="http://schemas.microsoft.com/office/powerpoint/2010/main" val="3445942637"/>
       </p:ext>
     </p:extLst>
   </p:cSld>
@@ -8738,7 +9036,7 @@
           <p:cNvPr id="2" name="Titre 1">
             <a:extLst>
               <a:ext uri="{FF2B5EF4-FFF2-40B4-BE49-F238E27FC236}">
-                <a16:creationId xmlns:a16="http://schemas.microsoft.com/office/drawing/2014/main" id="{D90B7CCB-A6AC-4470-BAA3-CC6B65E2F514}"/>
+                <a16:creationId xmlns:a16="http://schemas.microsoft.com/office/drawing/2014/main" id="{37F745DF-0C80-4AA7-8854-57933B4E1EE4}"/>
               </a:ext>
             </a:extLst>
           </p:cNvPr>
@@ -8746,7 +9044,7 @@
             <a:spLocks noGrp="1"/>
           </p:cNvSpPr>
           <p:nvPr>
-            <p:ph type="title"/>
+            <p:ph type="ctrTitle"/>
           </p:nvPr>
         </p:nvSpPr>
         <p:spPr/>
@@ -8756,17 +9054,17 @@
           <a:p>
             <a:r>
               <a:rPr lang="fr-FR"/>
-              <a:t>Points faibles et points forts</a:t>
-            </a:r>
-          </a:p>
-        </p:txBody>
-      </p:sp>
-      <p:sp>
-        <p:nvSpPr>
-          <p:cNvPr id="3" name="Espace réservé du contenu 2">
+              <a:t>Conclusion</a:t>
+            </a:r>
+          </a:p>
+        </p:txBody>
+      </p:sp>
+      <p:sp>
+        <p:nvSpPr>
+          <p:cNvPr id="3" name="Sous-titre 2">
             <a:extLst>
               <a:ext uri="{FF2B5EF4-FFF2-40B4-BE49-F238E27FC236}">
-                <a16:creationId xmlns:a16="http://schemas.microsoft.com/office/drawing/2014/main" id="{E8185995-542C-4642-97A6-09F880FD44D9}"/>
+                <a16:creationId xmlns:a16="http://schemas.microsoft.com/office/drawing/2014/main" id="{6CBD5226-01F4-4DFE-8297-E175D33DBC67}"/>
               </a:ext>
             </a:extLst>
           </p:cNvPr>
@@ -8774,67 +9072,14 @@
             <a:spLocks noGrp="1"/>
           </p:cNvSpPr>
           <p:nvPr>
-            <p:ph idx="1"/>
-          </p:nvPr>
-        </p:nvSpPr>
-        <p:spPr>
-          <a:xfrm>
-            <a:off x="982133" y="2667000"/>
-            <a:ext cx="3257533" cy="3332816"/>
-          </a:xfrm>
-        </p:spPr>
-        <p:txBody>
-          <a:bodyPr vert="horz" lIns="91440" tIns="45720" rIns="91440" bIns="45720" rtlCol="0" anchor="t">
-            <a:normAutofit/>
-          </a:bodyPr>
+            <p:ph type="subTitle" idx="1"/>
+          </p:nvPr>
+        </p:nvSpPr>
+        <p:spPr/>
+        <p:txBody>
+          <a:bodyPr/>
           <a:lstStyle/>
           <a:p>
-            <a:r>
-              <a:rPr lang="fr-FR"/>
-              <a:t>Beaucoup de serveurs</a:t>
-            </a:r>
-          </a:p>
-        </p:txBody>
-      </p:sp>
-      <p:sp>
-        <p:nvSpPr>
-          <p:cNvPr id="4" name="ZoneTexte 3">
-            <a:extLst>
-              <a:ext uri="{FF2B5EF4-FFF2-40B4-BE49-F238E27FC236}">
-                <a16:creationId xmlns:a16="http://schemas.microsoft.com/office/drawing/2014/main" id="{4C1551A2-1BB1-407C-8067-4AE9C9B54284}"/>
-              </a:ext>
-            </a:extLst>
-          </p:cNvPr>
-          <p:cNvSpPr txBox="1"/>
-          <p:nvPr/>
-        </p:nvSpPr>
-        <p:spPr>
-          <a:xfrm>
-            <a:off x="5111803" y="2662517"/>
-            <a:ext cx="3770939" cy="830997"/>
-          </a:xfrm>
-          <a:prstGeom prst="rect">
-            <a:avLst/>
-          </a:prstGeom>
-          <a:noFill/>
-        </p:spPr>
-        <p:txBody>
-          <a:bodyPr rot="0" spcFirstLastPara="0" vertOverflow="overflow" horzOverflow="overflow" vert="horz" wrap="square" lIns="91440" tIns="45720" rIns="91440" bIns="45720" numCol="1" spcCol="0" rtlCol="0" fromWordArt="0" anchor="t" anchorCtr="0" forceAA="0" compatLnSpc="1">
-            <a:prstTxWarp prst="textNoShape">
-              <a:avLst/>
-            </a:prstTxWarp>
-            <a:spAutoFit/>
-          </a:bodyPr>
-          <a:lstStyle/>
-          <a:p>
-            <a:pPr marL="342900" indent="-342900">
-              <a:buFont typeface="Arial"/>
-              <a:buChar char="•"/>
-            </a:pPr>
-            <a:r>
-              <a:rPr lang="fr-FR" sz="2400"/>
-              <a:t>Quasiment insensible aux pannes</a:t>
-            </a:r>
             <a:endParaRPr lang="fr-FR"/>
           </a:p>
         </p:txBody>
@@ -8842,7 +9087,7 @@
     </p:spTree>
     <p:extLst>
       <p:ext uri="{BB962C8B-B14F-4D97-AF65-F5344CB8AC3E}">
-        <p14:creationId xmlns:p14="http://schemas.microsoft.com/office/powerpoint/2010/main" val="2052557718"/>
+        <p14:creationId xmlns:p14="http://schemas.microsoft.com/office/powerpoint/2010/main" val="419023440"/>
       </p:ext>
     </p:extLst>
   </p:cSld>
@@ -8874,7 +9119,7 @@
           <p:cNvPr id="2" name="Titre 1">
             <a:extLst>
               <a:ext uri="{FF2B5EF4-FFF2-40B4-BE49-F238E27FC236}">
-                <a16:creationId xmlns:a16="http://schemas.microsoft.com/office/drawing/2014/main" id="{61262AB9-CFAB-45E3-ABBA-141F7803F91E}"/>
+                <a16:creationId xmlns:a16="http://schemas.microsoft.com/office/drawing/2014/main" id="{D90B7CCB-A6AC-4470-BAA3-CC6B65E2F514}"/>
               </a:ext>
             </a:extLst>
           </p:cNvPr>
@@ -8892,44 +9137,348 @@
           <a:p>
             <a:r>
               <a:rPr lang="fr-FR"/>
-              <a:t>Axes d'améliorations</a:t>
-            </a:r>
-          </a:p>
-        </p:txBody>
-      </p:sp>
-      <p:pic>
-        <p:nvPicPr>
-          <p:cNvPr id="4" name="Image 4" descr="Une image contenant objet, signe&#10;&#10;Description générée avec un niveau de confiance très élevé">
+              <a:t>Points faibles et points forts</a:t>
+            </a:r>
+          </a:p>
+        </p:txBody>
+      </p:sp>
+      <p:sp>
+        <p:nvSpPr>
+          <p:cNvPr id="3" name="Espace réservé du contenu 2">
             <a:extLst>
               <a:ext uri="{FF2B5EF4-FFF2-40B4-BE49-F238E27FC236}">
-                <a16:creationId xmlns:a16="http://schemas.microsoft.com/office/drawing/2014/main" id="{89B5825C-FCD4-47AF-BA67-A85AB6531540}"/>
+                <a16:creationId xmlns:a16="http://schemas.microsoft.com/office/drawing/2014/main" id="{E8185995-542C-4642-97A6-09F880FD44D9}"/>
               </a:ext>
             </a:extLst>
           </p:cNvPr>
-          <p:cNvPicPr>
-            <a:picLocks noGrp="1" noChangeAspect="1"/>
-          </p:cNvPicPr>
+          <p:cNvSpPr>
+            <a:spLocks noGrp="1"/>
+          </p:cNvSpPr>
           <p:nvPr>
             <p:ph idx="1"/>
           </p:nvPr>
-        </p:nvPicPr>
-        <p:blipFill>
-          <a:blip r:embed="rId2"/>
-          <a:stretch>
-            <a:fillRect/>
-          </a:stretch>
-        </p:blipFill>
+        </p:nvSpPr>
         <p:spPr>
           <a:xfrm>
-            <a:off x="931818" y="2232304"/>
-            <a:ext cx="3713550" cy="2117912"/>
+            <a:off x="982133" y="2667000"/>
+            <a:ext cx="3257533" cy="3332816"/>
           </a:xfrm>
         </p:spPr>
-      </p:pic>
+        <p:txBody>
+          <a:bodyPr vert="horz" lIns="91440" tIns="45720" rIns="91440" bIns="45720" rtlCol="0" anchor="t">
+            <a:normAutofit/>
+          </a:bodyPr>
+          <a:lstStyle/>
+          <a:p>
+            <a:r>
+              <a:rPr lang="fr-FR"/>
+              <a:t>Pur Microsoft</a:t>
+            </a:r>
+          </a:p>
+          <a:p>
+            <a:r>
+              <a:rPr lang="fr-FR"/>
+              <a:t>Demande beaucoup de ressources</a:t>
+            </a:r>
+          </a:p>
+          <a:p>
+            <a:r>
+              <a:rPr lang="fr-FR"/>
+              <a:t>Sécurité non optimale</a:t>
+            </a:r>
+          </a:p>
+          <a:p>
+            <a:endParaRPr lang="fr-FR"/>
+          </a:p>
+          <a:p>
+            <a:endParaRPr lang="fr-FR"/>
+          </a:p>
+        </p:txBody>
+      </p:sp>
+      <p:sp>
+        <p:nvSpPr>
+          <p:cNvPr id="5" name="Espace réservé du contenu 2">
+            <a:extLst>
+              <a:ext uri="{FF2B5EF4-FFF2-40B4-BE49-F238E27FC236}">
+                <a16:creationId xmlns:a16="http://schemas.microsoft.com/office/drawing/2014/main" id="{EE2A2784-D2B8-439A-AF36-C02A47140865}"/>
+              </a:ext>
+            </a:extLst>
+          </p:cNvPr>
+          <p:cNvSpPr txBox="1">
+            <a:spLocks/>
+          </p:cNvSpPr>
+          <p:nvPr/>
+        </p:nvSpPr>
+        <p:spPr>
+          <a:xfrm>
+            <a:off x="4572000" y="2667000"/>
+            <a:ext cx="3257533" cy="3332816"/>
+          </a:xfrm>
+          <a:prstGeom prst="rect">
+            <a:avLst/>
+          </a:prstGeom>
+        </p:spPr>
+        <p:txBody>
+          <a:bodyPr vert="horz" lIns="91440" tIns="45720" rIns="91440" bIns="45720" rtlCol="0" anchor="t">
+            <a:normAutofit/>
+          </a:bodyPr>
+          <a:lstStyle>
+            <a:lvl1pPr marL="285750" indent="-285750" algn="l" defTabSz="457200" rtl="0" eaLnBrk="1" latinLnBrk="0" hangingPunct="1">
+              <a:spcBef>
+                <a:spcPct val="20000"/>
+              </a:spcBef>
+              <a:spcAft>
+                <a:spcPts val="600"/>
+              </a:spcAft>
+              <a:buClr>
+                <a:schemeClr val="accent1">
+                  <a:lumMod val="75000"/>
+                </a:schemeClr>
+              </a:buClr>
+              <a:buSzPct val="145000"/>
+              <a:buFont typeface="Arial"/>
+              <a:buChar char="•"/>
+              <a:defRPr sz="2400" kern="1200" cap="none">
+                <a:solidFill>
+                  <a:schemeClr val="tx1"/>
+                </a:solidFill>
+                <a:effectLst/>
+                <a:latin typeface="+mn-lt"/>
+                <a:ea typeface="+mn-ea"/>
+                <a:cs typeface="+mn-cs"/>
+              </a:defRPr>
+            </a:lvl1pPr>
+            <a:lvl2pPr marL="742950" indent="-285750" algn="l" defTabSz="457200" rtl="0" eaLnBrk="1" latinLnBrk="0" hangingPunct="1">
+              <a:spcBef>
+                <a:spcPct val="20000"/>
+              </a:spcBef>
+              <a:spcAft>
+                <a:spcPts val="600"/>
+              </a:spcAft>
+              <a:buClr>
+                <a:schemeClr val="accent1">
+                  <a:lumMod val="75000"/>
+                </a:schemeClr>
+              </a:buClr>
+              <a:buSzPct val="145000"/>
+              <a:buFont typeface="Arial"/>
+              <a:buChar char="•"/>
+              <a:defRPr sz="2000" kern="1200" cap="none">
+                <a:solidFill>
+                  <a:schemeClr val="tx1"/>
+                </a:solidFill>
+                <a:effectLst/>
+                <a:latin typeface="+mn-lt"/>
+                <a:ea typeface="+mn-ea"/>
+                <a:cs typeface="+mn-cs"/>
+              </a:defRPr>
+            </a:lvl2pPr>
+            <a:lvl3pPr marL="1200150" indent="-285750" algn="l" defTabSz="457200" rtl="0" eaLnBrk="1" latinLnBrk="0" hangingPunct="1">
+              <a:spcBef>
+                <a:spcPct val="20000"/>
+              </a:spcBef>
+              <a:spcAft>
+                <a:spcPts val="600"/>
+              </a:spcAft>
+              <a:buClr>
+                <a:schemeClr val="accent1">
+                  <a:lumMod val="75000"/>
+                </a:schemeClr>
+              </a:buClr>
+              <a:buSzPct val="145000"/>
+              <a:buFont typeface="Arial"/>
+              <a:buChar char="•"/>
+              <a:defRPr sz="1800" kern="1200" cap="none">
+                <a:solidFill>
+                  <a:schemeClr val="tx1"/>
+                </a:solidFill>
+                <a:effectLst/>
+                <a:latin typeface="+mn-lt"/>
+                <a:ea typeface="+mn-ea"/>
+                <a:cs typeface="+mn-cs"/>
+              </a:defRPr>
+            </a:lvl3pPr>
+            <a:lvl4pPr marL="1543050" indent="-171450" algn="l" defTabSz="457200" rtl="0" eaLnBrk="1" latinLnBrk="0" hangingPunct="1">
+              <a:spcBef>
+                <a:spcPct val="20000"/>
+              </a:spcBef>
+              <a:spcAft>
+                <a:spcPts val="600"/>
+              </a:spcAft>
+              <a:buClr>
+                <a:schemeClr val="accent1">
+                  <a:lumMod val="75000"/>
+                </a:schemeClr>
+              </a:buClr>
+              <a:buSzPct val="145000"/>
+              <a:buFont typeface="Arial"/>
+              <a:buChar char="•"/>
+              <a:defRPr sz="1600" kern="1200" cap="none">
+                <a:solidFill>
+                  <a:schemeClr val="tx1"/>
+                </a:solidFill>
+                <a:effectLst/>
+                <a:latin typeface="+mn-lt"/>
+                <a:ea typeface="+mn-ea"/>
+                <a:cs typeface="+mn-cs"/>
+              </a:defRPr>
+            </a:lvl4pPr>
+            <a:lvl5pPr marL="2000250" indent="-171450" algn="l" defTabSz="457200" rtl="0" eaLnBrk="1" latinLnBrk="0" hangingPunct="1">
+              <a:spcBef>
+                <a:spcPct val="20000"/>
+              </a:spcBef>
+              <a:spcAft>
+                <a:spcPts val="600"/>
+              </a:spcAft>
+              <a:buClr>
+                <a:schemeClr val="accent1">
+                  <a:lumMod val="75000"/>
+                </a:schemeClr>
+              </a:buClr>
+              <a:buSzPct val="145000"/>
+              <a:buFont typeface="Arial"/>
+              <a:buChar char="•"/>
+              <a:defRPr sz="1400" kern="1200" cap="none">
+                <a:solidFill>
+                  <a:schemeClr val="tx1"/>
+                </a:solidFill>
+                <a:effectLst/>
+                <a:latin typeface="+mn-lt"/>
+                <a:ea typeface="+mn-ea"/>
+                <a:cs typeface="+mn-cs"/>
+              </a:defRPr>
+            </a:lvl5pPr>
+            <a:lvl6pPr marL="2514600" indent="-228600" algn="l" defTabSz="457200" rtl="0" eaLnBrk="1" latinLnBrk="0" hangingPunct="1">
+              <a:spcBef>
+                <a:spcPct val="20000"/>
+              </a:spcBef>
+              <a:spcAft>
+                <a:spcPts val="600"/>
+              </a:spcAft>
+              <a:buClr>
+                <a:schemeClr val="accent1">
+                  <a:lumMod val="75000"/>
+                </a:schemeClr>
+              </a:buClr>
+              <a:buSzPct val="145000"/>
+              <a:buFont typeface="Arial"/>
+              <a:buChar char="•"/>
+              <a:defRPr sz="1400" kern="1200" cap="none">
+                <a:solidFill>
+                  <a:schemeClr val="tx1"/>
+                </a:solidFill>
+                <a:effectLst/>
+                <a:latin typeface="+mn-lt"/>
+                <a:ea typeface="+mn-ea"/>
+                <a:cs typeface="+mn-cs"/>
+              </a:defRPr>
+            </a:lvl6pPr>
+            <a:lvl7pPr marL="2971800" indent="-228600" algn="l" defTabSz="457200" rtl="0" eaLnBrk="1" latinLnBrk="0" hangingPunct="1">
+              <a:spcBef>
+                <a:spcPct val="20000"/>
+              </a:spcBef>
+              <a:spcAft>
+                <a:spcPts val="600"/>
+              </a:spcAft>
+              <a:buClr>
+                <a:schemeClr val="accent1">
+                  <a:lumMod val="75000"/>
+                </a:schemeClr>
+              </a:buClr>
+              <a:buSzPct val="145000"/>
+              <a:buFont typeface="Arial"/>
+              <a:buChar char="•"/>
+              <a:defRPr sz="1400" kern="1200" cap="none">
+                <a:solidFill>
+                  <a:schemeClr val="tx1"/>
+                </a:solidFill>
+                <a:effectLst/>
+                <a:latin typeface="+mn-lt"/>
+                <a:ea typeface="+mn-ea"/>
+                <a:cs typeface="+mn-cs"/>
+              </a:defRPr>
+            </a:lvl7pPr>
+            <a:lvl8pPr marL="3429000" indent="-228600" algn="l" defTabSz="457200" rtl="0" eaLnBrk="1" latinLnBrk="0" hangingPunct="1">
+              <a:spcBef>
+                <a:spcPct val="20000"/>
+              </a:spcBef>
+              <a:spcAft>
+                <a:spcPts val="600"/>
+              </a:spcAft>
+              <a:buClr>
+                <a:schemeClr val="accent1">
+                  <a:lumMod val="75000"/>
+                </a:schemeClr>
+              </a:buClr>
+              <a:buSzPct val="145000"/>
+              <a:buFont typeface="Arial"/>
+              <a:buChar char="•"/>
+              <a:defRPr sz="1400" kern="1200" cap="none">
+                <a:solidFill>
+                  <a:schemeClr val="tx1"/>
+                </a:solidFill>
+                <a:effectLst/>
+                <a:latin typeface="+mn-lt"/>
+                <a:ea typeface="+mn-ea"/>
+                <a:cs typeface="+mn-cs"/>
+              </a:defRPr>
+            </a:lvl8pPr>
+            <a:lvl9pPr marL="3886200" indent="-228600" algn="l" defTabSz="457200" rtl="0" eaLnBrk="1" latinLnBrk="0" hangingPunct="1">
+              <a:spcBef>
+                <a:spcPct val="20000"/>
+              </a:spcBef>
+              <a:spcAft>
+                <a:spcPts val="600"/>
+              </a:spcAft>
+              <a:buClr>
+                <a:schemeClr val="accent1">
+                  <a:lumMod val="75000"/>
+                </a:schemeClr>
+              </a:buClr>
+              <a:buSzPct val="145000"/>
+              <a:buFont typeface="Arial"/>
+              <a:buChar char="•"/>
+              <a:defRPr sz="1400" kern="1200" cap="none">
+                <a:solidFill>
+                  <a:schemeClr val="tx1"/>
+                </a:solidFill>
+                <a:effectLst/>
+                <a:latin typeface="+mn-lt"/>
+                <a:ea typeface="+mn-ea"/>
+                <a:cs typeface="+mn-cs"/>
+              </a:defRPr>
+            </a:lvl9pPr>
+          </a:lstStyle>
+          <a:p>
+            <a:r>
+              <a:rPr lang="fr-FR" sz="2400"/>
+              <a:t>Quasiment insensible aux pannes</a:t>
+            </a:r>
+          </a:p>
+          <a:p>
+            <a:r>
+              <a:rPr lang="fr-FR"/>
+              <a:t>Facilement extensible</a:t>
+            </a:r>
+          </a:p>
+          <a:p>
+            <a:r>
+              <a:rPr lang="fr-FR"/>
+              <a:t>Polyvalente</a:t>
+            </a:r>
+          </a:p>
+          <a:p>
+            <a:r>
+              <a:rPr lang="fr-FR"/>
+              <a:t>Pur Microsoft</a:t>
+            </a:r>
+          </a:p>
+        </p:txBody>
+      </p:sp>
     </p:spTree>
     <p:extLst>
       <p:ext uri="{BB962C8B-B14F-4D97-AF65-F5344CB8AC3E}">
-        <p14:creationId xmlns:p14="http://schemas.microsoft.com/office/powerpoint/2010/main" val="2152426836"/>
+        <p14:creationId xmlns:p14="http://schemas.microsoft.com/office/powerpoint/2010/main" val="2052557718"/>
       </p:ext>
     </p:extLst>
   </p:cSld>
@@ -8961,7 +9510,7 @@
           <p:cNvPr id="2" name="Titre 1">
             <a:extLst>
               <a:ext uri="{FF2B5EF4-FFF2-40B4-BE49-F238E27FC236}">
-                <a16:creationId xmlns:a16="http://schemas.microsoft.com/office/drawing/2014/main" id="{B5108A21-BAAE-4830-9939-418CCAEE6F2F}"/>
+                <a16:creationId xmlns:a16="http://schemas.microsoft.com/office/drawing/2014/main" id="{61262AB9-CFAB-45E3-ABBA-141F7803F91E}"/>
               </a:ext>
             </a:extLst>
           </p:cNvPr>
@@ -8979,17 +9528,17 @@
           <a:p>
             <a:r>
               <a:rPr lang="fr-FR"/>
-              <a:t>Problèmes rencontrés</a:t>
+              <a:t>Axes d'améliorations</a:t>
             </a:r>
           </a:p>
         </p:txBody>
       </p:sp>
       <p:pic>
         <p:nvPicPr>
-          <p:cNvPr id="4" name="Image 4" descr="Une image contenant dessin&#10;&#10;Description générée avec un niveau de confiance très élevé">
+          <p:cNvPr id="4" name="Image 4" descr="Une image contenant objet, signe&#10;&#10;Description générée avec un niveau de confiance très élevé">
             <a:extLst>
               <a:ext uri="{FF2B5EF4-FFF2-40B4-BE49-F238E27FC236}">
-                <a16:creationId xmlns:a16="http://schemas.microsoft.com/office/drawing/2014/main" id="{79640E23-9E39-4605-A3F2-EDA9B4C13AB6}"/>
+                <a16:creationId xmlns:a16="http://schemas.microsoft.com/office/drawing/2014/main" id="{89B5825C-FCD4-47AF-BA67-A85AB6531540}"/>
               </a:ext>
             </a:extLst>
           </p:cNvPr>
@@ -9001,24 +9550,24 @@
           </p:nvPr>
         </p:nvPicPr>
         <p:blipFill>
-          <a:blip r:embed="rId2"/>
+          <a:blip r:embed="rId2" cstate="print"/>
           <a:stretch>
             <a:fillRect/>
           </a:stretch>
         </p:blipFill>
         <p:spPr>
           <a:xfrm>
-            <a:off x="4002030" y="2009788"/>
-            <a:ext cx="4757698" cy="1544811"/>
+            <a:off x="931818" y="2232304"/>
+            <a:ext cx="3713550" cy="2117912"/>
           </a:xfrm>
         </p:spPr>
       </p:pic>
       <p:pic>
         <p:nvPicPr>
-          <p:cNvPr id="5" name="Image 5" descr="Une image contenant capture d’écran, oiseau&#10;&#10;Description générée avec un niveau de confiance très élevé">
+          <p:cNvPr id="5" name="Image 4" descr="Une image contenant bouteille&#10;&#10;Description générée automatiquement">
             <a:extLst>
               <a:ext uri="{FF2B5EF4-FFF2-40B4-BE49-F238E27FC236}">
-                <a16:creationId xmlns:a16="http://schemas.microsoft.com/office/drawing/2014/main" id="{6D20A5B9-7504-471A-A606-7B321AA6361E}"/>
+                <a16:creationId xmlns:a16="http://schemas.microsoft.com/office/drawing/2014/main" id="{26F21C84-7DB1-492D-8EB2-B6F2074B5272}"/>
               </a:ext>
             </a:extLst>
           </p:cNvPr>
@@ -9028,15 +9577,57 @@
           <p:nvPr/>
         </p:nvPicPr>
         <p:blipFill>
-          <a:blip r:embed="rId3"/>
+          <a:blip r:embed="rId3" cstate="print">
+            <a:extLst>
+              <a:ext uri="{28A0092B-C50C-407E-A947-70E740481C1C}">
+                <a14:useLocalDpi xmlns:a14="http://schemas.microsoft.com/office/drawing/2010/main" val="0"/>
+              </a:ext>
+            </a:extLst>
+          </a:blip>
           <a:stretch>
             <a:fillRect/>
           </a:stretch>
         </p:blipFill>
         <p:spPr>
           <a:xfrm>
-            <a:off x="1385047" y="3896019"/>
-            <a:ext cx="3770938" cy="2149181"/>
+            <a:off x="6167450" y="1986335"/>
+            <a:ext cx="1994418" cy="2529956"/>
+          </a:xfrm>
+          <a:prstGeom prst="rect">
+            <a:avLst/>
+          </a:prstGeom>
+        </p:spPr>
+      </p:pic>
+      <p:pic>
+        <p:nvPicPr>
+          <p:cNvPr id="7" name="Image 6" descr="Une image contenant dessin&#10;&#10;Description générée automatiquement">
+            <a:extLst>
+              <a:ext uri="{FF2B5EF4-FFF2-40B4-BE49-F238E27FC236}">
+                <a16:creationId xmlns:a16="http://schemas.microsoft.com/office/drawing/2014/main" id="{73D9E65D-5BC0-4551-B7BA-28C67228880E}"/>
+              </a:ext>
+            </a:extLst>
+          </p:cNvPr>
+          <p:cNvPicPr>
+            <a:picLocks noChangeAspect="1"/>
+          </p:cNvPicPr>
+          <p:nvPr/>
+        </p:nvPicPr>
+        <p:blipFill>
+          <a:blip r:embed="rId4" cstate="print">
+            <a:extLst>
+              <a:ext uri="{28A0092B-C50C-407E-A947-70E740481C1C}">
+                <a14:useLocalDpi xmlns:a14="http://schemas.microsoft.com/office/drawing/2010/main" val="0"/>
+              </a:ext>
+            </a:extLst>
+          </a:blip>
+          <a:stretch>
+            <a:fillRect/>
+          </a:stretch>
+        </p:blipFill>
+        <p:spPr>
+          <a:xfrm>
+            <a:off x="3738562" y="4350215"/>
+            <a:ext cx="1994418" cy="2279335"/>
           </a:xfrm>
           <a:prstGeom prst="rect">
             <a:avLst/>
@@ -9046,7 +9637,7 @@
     </p:spTree>
     <p:extLst>
       <p:ext uri="{BB962C8B-B14F-4D97-AF65-F5344CB8AC3E}">
-        <p14:creationId xmlns:p14="http://schemas.microsoft.com/office/powerpoint/2010/main" val="749447522"/>
+        <p14:creationId xmlns:p14="http://schemas.microsoft.com/office/powerpoint/2010/main" val="2152426836"/>
       </p:ext>
     </p:extLst>
   </p:cSld>
@@ -9062,7 +9653,7 @@
     <p:bg>
       <p:bgPr>
         <a:blipFill rotWithShape="1">
-          <a:blip r:embed="rId2">
+          <a:blip r:embed="rId2" cstate="print">
             <a:duotone>
               <a:schemeClr val="bg2">
                 <a:shade val="76000"/>
@@ -10059,6 +10650,123 @@
           <p:cNvPr id="2" name="Titre 1">
             <a:extLst>
               <a:ext uri="{FF2B5EF4-FFF2-40B4-BE49-F238E27FC236}">
+                <a16:creationId xmlns:a16="http://schemas.microsoft.com/office/drawing/2014/main" id="{B5108A21-BAAE-4830-9939-418CCAEE6F2F}"/>
+              </a:ext>
+            </a:extLst>
+          </p:cNvPr>
+          <p:cNvSpPr>
+            <a:spLocks noGrp="1"/>
+          </p:cNvSpPr>
+          <p:nvPr>
+            <p:ph type="title"/>
+          </p:nvPr>
+        </p:nvSpPr>
+        <p:spPr/>
+        <p:txBody>
+          <a:bodyPr/>
+          <a:lstStyle/>
+          <a:p>
+            <a:r>
+              <a:rPr lang="fr-FR"/>
+              <a:t>Problèmes rencontrés</a:t>
+            </a:r>
+          </a:p>
+        </p:txBody>
+      </p:sp>
+      <p:pic>
+        <p:nvPicPr>
+          <p:cNvPr id="4" name="Image 4" descr="Une image contenant dessin&#10;&#10;Description générée avec un niveau de confiance très élevé">
+            <a:extLst>
+              <a:ext uri="{FF2B5EF4-FFF2-40B4-BE49-F238E27FC236}">
+                <a16:creationId xmlns:a16="http://schemas.microsoft.com/office/drawing/2014/main" id="{79640E23-9E39-4605-A3F2-EDA9B4C13AB6}"/>
+              </a:ext>
+            </a:extLst>
+          </p:cNvPr>
+          <p:cNvPicPr>
+            <a:picLocks noGrp="1" noChangeAspect="1"/>
+          </p:cNvPicPr>
+          <p:nvPr>
+            <p:ph idx="1"/>
+          </p:nvPr>
+        </p:nvPicPr>
+        <p:blipFill>
+          <a:blip r:embed="rId2" cstate="print"/>
+          <a:stretch>
+            <a:fillRect/>
+          </a:stretch>
+        </p:blipFill>
+        <p:spPr>
+          <a:xfrm>
+            <a:off x="1424083" y="4455532"/>
+            <a:ext cx="4757698" cy="1544811"/>
+          </a:xfrm>
+        </p:spPr>
+      </p:pic>
+      <p:pic>
+        <p:nvPicPr>
+          <p:cNvPr id="5" name="Image 5" descr="Une image contenant capture d’écran, oiseau&#10;&#10;Description générée avec un niveau de confiance très élevé">
+            <a:extLst>
+              <a:ext uri="{FF2B5EF4-FFF2-40B4-BE49-F238E27FC236}">
+                <a16:creationId xmlns:a16="http://schemas.microsoft.com/office/drawing/2014/main" id="{6D20A5B9-7504-471A-A606-7B321AA6361E}"/>
+              </a:ext>
+            </a:extLst>
+          </p:cNvPr>
+          <p:cNvPicPr>
+            <a:picLocks noChangeAspect="1"/>
+          </p:cNvPicPr>
+          <p:nvPr/>
+        </p:nvPicPr>
+        <p:blipFill>
+          <a:blip r:embed="rId3" cstate="print"/>
+          <a:stretch>
+            <a:fillRect/>
+          </a:stretch>
+        </p:blipFill>
+        <p:spPr>
+          <a:xfrm>
+            <a:off x="4987563" y="1957050"/>
+            <a:ext cx="3770938" cy="2149181"/>
+          </a:xfrm>
+          <a:prstGeom prst="rect">
+            <a:avLst/>
+          </a:prstGeom>
+        </p:spPr>
+      </p:pic>
+    </p:spTree>
+    <p:extLst>
+      <p:ext uri="{BB962C8B-B14F-4D97-AF65-F5344CB8AC3E}">
+        <p14:creationId xmlns:p14="http://schemas.microsoft.com/office/powerpoint/2010/main" val="749447522"/>
+      </p:ext>
+    </p:extLst>
+  </p:cSld>
+  <p:clrMapOvr>
+    <a:masterClrMapping/>
+  </p:clrMapOvr>
+</p:sld>
+</file>
+
+<file path=ppt/slides/slide21.xml><?xml version="1.0" encoding="utf-8"?>
+<p:sld xmlns:a="http://schemas.openxmlformats.org/drawingml/2006/main" xmlns:r="http://schemas.openxmlformats.org/officeDocument/2006/relationships" xmlns:p="http://schemas.openxmlformats.org/presentationml/2006/main">
+  <p:cSld>
+    <p:spTree>
+      <p:nvGrpSpPr>
+        <p:cNvPr id="1" name=""/>
+        <p:cNvGrpSpPr/>
+        <p:nvPr/>
+      </p:nvGrpSpPr>
+      <p:grpSpPr>
+        <a:xfrm>
+          <a:off x="0" y="0"/>
+          <a:ext cx="0" cy="0"/>
+          <a:chOff x="0" y="0"/>
+          <a:chExt cx="0" cy="0"/>
+        </a:xfrm>
+      </p:grpSpPr>
+      <p:sp>
+        <p:nvSpPr>
+          <p:cNvPr id="2" name="Titre 1">
+            <a:extLst>
+              <a:ext uri="{FF2B5EF4-FFF2-40B4-BE49-F238E27FC236}">
                 <a16:creationId xmlns:a16="http://schemas.microsoft.com/office/drawing/2014/main" id="{F9F02C4D-3579-4B76-A771-6969D92B8D73}"/>
               </a:ext>
             </a:extLst>
@@ -10704,7 +11412,12 @@
             <p:ph type="title"/>
           </p:nvPr>
         </p:nvSpPr>
-        <p:spPr/>
+        <p:spPr>
+          <a:xfrm>
+            <a:off x="1077053" y="180350"/>
+            <a:ext cx="7704667" cy="1981200"/>
+          </a:xfrm>
+        </p:spPr>
         <p:txBody>
           <a:bodyPr/>
           <a:lstStyle/>
@@ -10731,7 +11444,7 @@
           <p:nvPr/>
         </p:nvPicPr>
         <p:blipFill>
-          <a:blip r:embed="rId2"/>
+          <a:blip r:embed="rId2" cstate="print"/>
           <a:stretch>
             <a:fillRect/>
           </a:stretch>
@@ -10761,7 +11474,7 @@
           <p:nvPr/>
         </p:nvPicPr>
         <p:blipFill>
-          <a:blip r:embed="rId3"/>
+          <a:blip r:embed="rId3" cstate="print"/>
           <a:stretch>
             <a:fillRect/>
           </a:stretch>
@@ -10776,6 +11489,68 @@
           </a:prstGeom>
         </p:spPr>
       </p:pic>
+      <p:sp>
+        <p:nvSpPr>
+          <p:cNvPr id="3" name="ZoneTexte 2">
+            <a:extLst>
+              <a:ext uri="{FF2B5EF4-FFF2-40B4-BE49-F238E27FC236}">
+                <a16:creationId xmlns:a16="http://schemas.microsoft.com/office/drawing/2014/main" id="{1B6B8B6E-FF55-4787-9407-E6EC28477255}"/>
+              </a:ext>
+            </a:extLst>
+          </p:cNvPr>
+          <p:cNvSpPr txBox="1"/>
+          <p:nvPr/>
+        </p:nvSpPr>
+        <p:spPr>
+          <a:xfrm>
+            <a:off x="3088078" y="1665326"/>
+            <a:ext cx="2743200" cy="923330"/>
+          </a:xfrm>
+          <a:prstGeom prst="rect">
+            <a:avLst/>
+          </a:prstGeom>
+          <a:noFill/>
+        </p:spPr>
+        <p:txBody>
+          <a:bodyPr rot="0" spcFirstLastPara="0" vertOverflow="overflow" horzOverflow="overflow" vert="horz" wrap="square" lIns="91440" tIns="45720" rIns="91440" bIns="45720" numCol="1" spcCol="0" rtlCol="0" fromWordArt="0" anchor="t" anchorCtr="0" forceAA="0" compatLnSpc="1">
+            <a:prstTxWarp prst="textNoShape">
+              <a:avLst/>
+            </a:prstTxWarp>
+            <a:spAutoFit/>
+          </a:bodyPr>
+          <a:lstStyle/>
+          <a:p>
+            <a:r>
+              <a:rPr lang="fr-FR" err="1"/>
+              <a:t>Spanning-tree</a:t>
+            </a:r>
+            <a:r>
+              <a:rPr lang="fr-FR"/>
+              <a:t> Protocol</a:t>
+            </a:r>
+          </a:p>
+          <a:p>
+            <a:r>
+              <a:rPr lang="fr-FR" err="1"/>
+              <a:t>EtherChannel</a:t>
+            </a:r>
+          </a:p>
+          <a:p>
+            <a:r>
+              <a:rPr lang="fr-FR"/>
+              <a:t>Vlan </a:t>
+            </a:r>
+            <a:r>
+              <a:rPr lang="fr-FR" err="1"/>
+              <a:t>Trunking</a:t>
+            </a:r>
+            <a:r>
+              <a:rPr lang="fr-FR"/>
+              <a:t> Protocol</a:t>
+            </a:r>
+          </a:p>
+        </p:txBody>
+      </p:sp>
     </p:spTree>
     <p:extLst>
       <p:ext uri="{BB962C8B-B14F-4D97-AF65-F5344CB8AC3E}">
@@ -10900,6 +11675,59 @@
                       </p:childTnLst>
                     </p:cTn>
                   </p:par>
+                  <p:par>
+                    <p:cTn id="13" fill="hold">
+                      <p:stCondLst>
+                        <p:cond delay="indefinite"/>
+                      </p:stCondLst>
+                      <p:childTnLst>
+                        <p:par>
+                          <p:cTn id="14" fill="hold">
+                            <p:stCondLst>
+                              <p:cond delay="0"/>
+                            </p:stCondLst>
+                            <p:childTnLst>
+                              <p:par>
+                                <p:cTn id="15" presetID="10" presetClass="entr" presetSubtype="0" fill="hold" grpId="0" nodeType="clickEffect">
+                                  <p:stCondLst>
+                                    <p:cond delay="0"/>
+                                  </p:stCondLst>
+                                  <p:childTnLst>
+                                    <p:set>
+                                      <p:cBhvr>
+                                        <p:cTn id="16" dur="1" fill="hold">
+                                          <p:stCondLst>
+                                            <p:cond delay="0"/>
+                                          </p:stCondLst>
+                                        </p:cTn>
+                                        <p:tgtEl>
+                                          <p:spTgt spid="3"/>
+                                        </p:tgtEl>
+                                        <p:attrNameLst>
+                                          <p:attrName>style.visibility</p:attrName>
+                                        </p:attrNameLst>
+                                      </p:cBhvr>
+                                      <p:to>
+                                        <p:strVal val="visible"/>
+                                      </p:to>
+                                    </p:set>
+                                    <p:animEffect transition="in" filter="fade">
+                                      <p:cBhvr>
+                                        <p:cTn id="17" dur="500"/>
+                                        <p:tgtEl>
+                                          <p:spTgt spid="3"/>
+                                        </p:tgtEl>
+                                      </p:cBhvr>
+                                    </p:animEffect>
+                                  </p:childTnLst>
+                                </p:cTn>
+                              </p:par>
+                            </p:childTnLst>
+                          </p:cTn>
+                        </p:par>
+                      </p:childTnLst>
+                    </p:cTn>
+                  </p:par>
                 </p:childTnLst>
               </p:cTn>
               <p:prevCondLst>
@@ -10921,6 +11749,9 @@
         </p:cTn>
       </p:par>
     </p:tnLst>
+    <p:bldLst>
+      <p:bldP spid="3" grpId="0"/>
+    </p:bldLst>
   </p:timing>
 </p:sld>
 </file>
@@ -10947,7 +11778,7 @@
           <p:cNvPr id="2" name="Titre 1">
             <a:extLst>
               <a:ext uri="{FF2B5EF4-FFF2-40B4-BE49-F238E27FC236}">
-                <a16:creationId xmlns:a16="http://schemas.microsoft.com/office/drawing/2014/main" id="{AE1A08A4-7DF2-45A7-B1B3-80FE174BE3F7}"/>
+                <a16:creationId xmlns:a16="http://schemas.microsoft.com/office/drawing/2014/main" id="{B92D06C7-C1F8-4B36-B46C-CAB6193B625C}"/>
               </a:ext>
             </a:extLst>
           </p:cNvPr>
@@ -10958,53 +11789,29 @@
             <p:ph type="title"/>
           </p:nvPr>
         </p:nvSpPr>
-        <p:spPr/>
+        <p:spPr>
+          <a:xfrm>
+            <a:off x="1077053" y="188260"/>
+            <a:ext cx="7704667" cy="1981200"/>
+          </a:xfrm>
+        </p:spPr>
         <p:txBody>
           <a:bodyPr/>
           <a:lstStyle/>
           <a:p>
             <a:r>
               <a:rPr lang="fr-FR"/>
-              <a:t>Commutateurs</a:t>
+              <a:t>Vue d'ensemble</a:t>
             </a:r>
           </a:p>
         </p:txBody>
       </p:sp>
       <p:pic>
         <p:nvPicPr>
-          <p:cNvPr id="4" name="Image 4">
+          <p:cNvPr id="6" name="Image 6" descr="Une image contenant texte, carte&#10;&#10;Description générée avec un niveau de confiance très élevé">
             <a:extLst>
               <a:ext uri="{FF2B5EF4-FFF2-40B4-BE49-F238E27FC236}">
-                <a16:creationId xmlns:a16="http://schemas.microsoft.com/office/drawing/2014/main" id="{9191D17A-6EF9-4059-AAAE-A54E01403118}"/>
-              </a:ext>
-            </a:extLst>
-          </p:cNvPr>
-          <p:cNvPicPr>
-            <a:picLocks noGrp="1" noChangeAspect="1"/>
-          </p:cNvPicPr>
-          <p:nvPr>
-            <p:ph idx="1"/>
-          </p:nvPr>
-        </p:nvPicPr>
-        <p:blipFill>
-          <a:blip r:embed="rId2"/>
-          <a:stretch>
-            <a:fillRect/>
-          </a:stretch>
-        </p:blipFill>
-        <p:spPr>
-          <a:xfrm>
-            <a:off x="2144774" y="2324753"/>
-            <a:ext cx="1201831" cy="1301003"/>
-          </a:xfrm>
-        </p:spPr>
-      </p:pic>
-      <p:pic>
-        <p:nvPicPr>
-          <p:cNvPr id="5" name="Image 5" descr="Une image contenant ordinateur, dessin&#10;&#10;Description générée avec un niveau de confiance très élevé">
-            <a:extLst>
-              <a:ext uri="{FF2B5EF4-FFF2-40B4-BE49-F238E27FC236}">
-                <a16:creationId xmlns:a16="http://schemas.microsoft.com/office/drawing/2014/main" id="{178FFC09-3B9D-4939-AC7F-C1CCA100C78D}"/>
+                <a16:creationId xmlns:a16="http://schemas.microsoft.com/office/drawing/2014/main" id="{4DFC32A1-ABDD-4513-A636-D124D8BC3494}"/>
               </a:ext>
             </a:extLst>
           </p:cNvPr>
@@ -11014,15 +11821,15 @@
           <p:nvPr/>
         </p:nvPicPr>
         <p:blipFill>
-          <a:blip r:embed="rId3"/>
+          <a:blip r:embed="rId2" cstate="print"/>
           <a:stretch>
             <a:fillRect/>
           </a:stretch>
         </p:blipFill>
         <p:spPr>
           <a:xfrm>
-            <a:off x="5771589" y="2848535"/>
-            <a:ext cx="1276350" cy="533400"/>
+            <a:off x="1909483" y="1869141"/>
+            <a:ext cx="6033246" cy="4204446"/>
           </a:xfrm>
           <a:prstGeom prst="rect">
             <a:avLst/>
@@ -11031,10 +11838,10 @@
       </p:pic>
       <p:sp>
         <p:nvSpPr>
-          <p:cNvPr id="6" name="ZoneTexte 5">
+          <p:cNvPr id="3" name="ZoneTexte 2">
             <a:extLst>
               <a:ext uri="{FF2B5EF4-FFF2-40B4-BE49-F238E27FC236}">
-                <a16:creationId xmlns:a16="http://schemas.microsoft.com/office/drawing/2014/main" id="{B1150EE7-4BC1-4985-A913-7C5FB2E2ED21}"/>
+                <a16:creationId xmlns:a16="http://schemas.microsoft.com/office/drawing/2014/main" id="{8101DC15-49D6-4C78-B6A8-DDBE757E12B8}"/>
               </a:ext>
             </a:extLst>
           </p:cNvPr>
@@ -11043,8 +11850,8 @@
         </p:nvSpPr>
         <p:spPr>
           <a:xfrm>
-            <a:off x="1371600" y="3935506"/>
-            <a:ext cx="2743200" cy="923330"/>
+            <a:off x="6367051" y="4259817"/>
+            <a:ext cx="2743200" cy="369332"/>
           </a:xfrm>
           <a:prstGeom prst="rect">
             <a:avLst/>
@@ -11061,68 +11868,6 @@
           <a:lstStyle/>
           <a:p>
             <a:r>
-              <a:rPr lang="fr-FR" err="1"/>
-              <a:t>Spanning-tree</a:t>
-            </a:r>
-            <a:r>
-              <a:rPr lang="fr-FR"/>
-              <a:t> Protocol</a:t>
-            </a:r>
-          </a:p>
-          <a:p>
-            <a:r>
-              <a:rPr lang="fr-FR" err="1"/>
-              <a:t>EtherChannel</a:t>
-            </a:r>
-          </a:p>
-          <a:p>
-            <a:r>
-              <a:rPr lang="fr-FR"/>
-              <a:t>Vlan </a:t>
-            </a:r>
-            <a:r>
-              <a:rPr lang="fr-FR" err="1"/>
-              <a:t>Trunking</a:t>
-            </a:r>
-            <a:r>
-              <a:rPr lang="fr-FR"/>
-              <a:t> Protocol</a:t>
-            </a:r>
-          </a:p>
-        </p:txBody>
-      </p:sp>
-      <p:sp>
-        <p:nvSpPr>
-          <p:cNvPr id="7" name="ZoneTexte 6">
-            <a:extLst>
-              <a:ext uri="{FF2B5EF4-FFF2-40B4-BE49-F238E27FC236}">
-                <a16:creationId xmlns:a16="http://schemas.microsoft.com/office/drawing/2014/main" id="{4EF743F6-5FF3-4B06-BFEE-3B4F1346D4CB}"/>
-              </a:ext>
-            </a:extLst>
-          </p:cNvPr>
-          <p:cNvSpPr txBox="1"/>
-          <p:nvPr/>
-        </p:nvSpPr>
-        <p:spPr>
-          <a:xfrm>
-            <a:off x="5038165" y="3935506"/>
-            <a:ext cx="2743200" cy="369332"/>
-          </a:xfrm>
-          <a:prstGeom prst="rect">
-            <a:avLst/>
-          </a:prstGeom>
-          <a:noFill/>
-        </p:spPr>
-        <p:txBody>
-          <a:bodyPr rot="0" spcFirstLastPara="0" vertOverflow="overflow" horzOverflow="overflow" vert="horz" wrap="square" lIns="91440" tIns="45720" rIns="91440" bIns="45720" numCol="1" spcCol="0" rtlCol="0" fromWordArt="0" anchor="t" anchorCtr="0" forceAA="0" compatLnSpc="1">
-            <a:prstTxWarp prst="textNoShape">
-              <a:avLst/>
-            </a:prstTxWarp>
-            <a:spAutoFit/>
-          </a:bodyPr>
-          <a:lstStyle/>
-          <a:p>
-            <a:r>
               <a:rPr lang="fr-FR"/>
               <a:t>Commutateurs </a:t>
             </a:r>
@@ -11136,13 +11881,25 @@
     </p:spTree>
     <p:extLst>
       <p:ext uri="{BB962C8B-B14F-4D97-AF65-F5344CB8AC3E}">
-        <p14:creationId xmlns:p14="http://schemas.microsoft.com/office/powerpoint/2010/main" val="4121515958"/>
+        <p14:creationId xmlns:p14="http://schemas.microsoft.com/office/powerpoint/2010/main" val="3789203267"/>
       </p:ext>
     </p:extLst>
   </p:cSld>
   <p:clrMapOvr>
     <a:masterClrMapping/>
   </p:clrMapOvr>
+  <mc:AlternateContent xmlns:mc="http://schemas.openxmlformats.org/markup-compatibility/2006">
+    <mc:Choice xmlns:p14="http://schemas.microsoft.com/office/powerpoint/2010/main" Requires="p14">
+      <p:transition spd="med" p14:dur="700">
+        <p:fade/>
+      </p:transition>
+    </mc:Choice>
+    <mc:Fallback>
+      <p:transition spd="med">
+        <p:fade/>
+      </p:transition>
+    </mc:Fallback>
+  </mc:AlternateContent>
 </p:sld>
 </file>
 
@@ -11168,7 +11925,7 @@
           <p:cNvPr id="2" name="Titre 1">
             <a:extLst>
               <a:ext uri="{FF2B5EF4-FFF2-40B4-BE49-F238E27FC236}">
-                <a16:creationId xmlns:a16="http://schemas.microsoft.com/office/drawing/2014/main" id="{205870ED-F207-4668-9FA9-4528DE25445D}"/>
+                <a16:creationId xmlns:a16="http://schemas.microsoft.com/office/drawing/2014/main" id="{B92D06C7-C1F8-4B36-B46C-CAB6193B625C}"/>
               </a:ext>
             </a:extLst>
           </p:cNvPr>
@@ -11179,53 +11936,59 @@
             <p:ph type="title"/>
           </p:nvPr>
         </p:nvSpPr>
-        <p:spPr/>
+        <p:spPr>
+          <a:xfrm>
+            <a:off x="1077054" y="188260"/>
+            <a:ext cx="7704667" cy="1981200"/>
+          </a:xfrm>
+        </p:spPr>
         <p:txBody>
           <a:bodyPr/>
           <a:lstStyle/>
           <a:p>
             <a:r>
               <a:rPr lang="fr-FR"/>
-              <a:t>Routeurs</a:t>
+              <a:t>Vue d'ensemble</a:t>
             </a:r>
           </a:p>
         </p:txBody>
       </p:sp>
       <p:pic>
         <p:nvPicPr>
-          <p:cNvPr id="4" name="Image 4" descr="Une image contenant horloge, pièce, table&#10;&#10;Description générée avec un niveau de confiance très élevé">
+          <p:cNvPr id="6" name="Image 6" descr="Une image contenant texte, carte&#10;&#10;Description générée avec un niveau de confiance très élevé">
             <a:extLst>
               <a:ext uri="{FF2B5EF4-FFF2-40B4-BE49-F238E27FC236}">
-                <a16:creationId xmlns:a16="http://schemas.microsoft.com/office/drawing/2014/main" id="{37B40BCF-2C7F-4F37-A7FE-2DB13C508D02}"/>
+                <a16:creationId xmlns:a16="http://schemas.microsoft.com/office/drawing/2014/main" id="{4DFC32A1-ABDD-4513-A636-D124D8BC3494}"/>
               </a:ext>
             </a:extLst>
           </p:cNvPr>
           <p:cNvPicPr>
-            <a:picLocks noGrp="1" noChangeAspect="1"/>
+            <a:picLocks noChangeAspect="1"/>
           </p:cNvPicPr>
-          <p:nvPr>
-            <p:ph idx="1"/>
-          </p:nvPr>
+          <p:nvPr/>
         </p:nvPicPr>
         <p:blipFill>
-          <a:blip r:embed="rId2"/>
+          <a:blip r:embed="rId2" cstate="print"/>
           <a:stretch>
             <a:fillRect/>
           </a:stretch>
         </p:blipFill>
         <p:spPr>
           <a:xfrm>
-            <a:off x="4443942" y="2704352"/>
-            <a:ext cx="781050" cy="1285875"/>
+            <a:off x="1909483" y="1869141"/>
+            <a:ext cx="6033246" cy="4204446"/>
           </a:xfrm>
+          <a:prstGeom prst="rect">
+            <a:avLst/>
+          </a:prstGeom>
         </p:spPr>
       </p:pic>
       <p:sp>
         <p:nvSpPr>
-          <p:cNvPr id="5" name="ZoneTexte 4">
+          <p:cNvPr id="4" name="ZoneTexte 3">
             <a:extLst>
               <a:ext uri="{FF2B5EF4-FFF2-40B4-BE49-F238E27FC236}">
-                <a16:creationId xmlns:a16="http://schemas.microsoft.com/office/drawing/2014/main" id="{87863030-DD9B-4B52-984B-1B108685EE5B}"/>
+                <a16:creationId xmlns:a16="http://schemas.microsoft.com/office/drawing/2014/main" id="{EE763743-DDC7-4649-BED3-11AFDE3F94E1}"/>
               </a:ext>
             </a:extLst>
           </p:cNvPr>
@@ -11234,7 +11997,7 @@
         </p:nvSpPr>
         <p:spPr>
           <a:xfrm>
-            <a:off x="3272117" y="4365812"/>
+            <a:off x="4387432" y="1439100"/>
             <a:ext cx="3128682" cy="369332"/>
           </a:xfrm>
           <a:prstGeom prst="rect">
@@ -11269,13 +12032,25 @@
     </p:spTree>
     <p:extLst>
       <p:ext uri="{BB962C8B-B14F-4D97-AF65-F5344CB8AC3E}">
-        <p14:creationId xmlns:p14="http://schemas.microsoft.com/office/powerpoint/2010/main" val="2185707809"/>
+        <p14:creationId xmlns:p14="http://schemas.microsoft.com/office/powerpoint/2010/main" val="974903408"/>
       </p:ext>
     </p:extLst>
   </p:cSld>
   <p:clrMapOvr>
     <a:masterClrMapping/>
   </p:clrMapOvr>
+  <mc:AlternateContent xmlns:mc="http://schemas.openxmlformats.org/markup-compatibility/2006">
+    <mc:Choice xmlns:p14="http://schemas.microsoft.com/office/powerpoint/2010/main" Requires="p14">
+      <p:transition spd="med" p14:dur="700">
+        <p:fade/>
+      </p:transition>
+    </mc:Choice>
+    <mc:Fallback>
+      <p:transition spd="med">
+        <p:fade/>
+      </p:transition>
+    </mc:Fallback>
+  </mc:AlternateContent>
 </p:sld>
 </file>
 
@@ -11322,7 +12097,7 @@
     </a:clrScheme>
     <a:fontScheme name="Parallax">
       <a:majorFont>
-        <a:latin typeface="Corbel" panose="020B0503020204020204"/>
+        <a:latin typeface="Corbel"/>
         <a:ea typeface=""/>
         <a:cs typeface=""/>
         <a:font script="Jpan" typeface="HGｺﾞｼｯｸM"/>
@@ -11357,7 +12132,7 @@
         <a:font script="Geor" typeface="Sylfaen"/>
       </a:majorFont>
       <a:minorFont>
-        <a:latin typeface="Corbel" panose="020B0503020204020204"/>
+        <a:latin typeface="Corbel"/>
         <a:ea typeface=""/>
         <a:cs typeface=""/>
         <a:font script="Jpan" typeface="HGｺﾞｼｯｸM"/>
